--- a/presentation.pptx
+++ b/presentation.pptx
@@ -5,7 +5,7 @@
     <p:sldMasterId id="2147483648" r:id="rId1"/>
   </p:sldMasterIdLst>
   <p:notesMasterIdLst>
-    <p:notesMasterId r:id="rId13"/>
+    <p:notesMasterId r:id="rId22"/>
   </p:notesMasterIdLst>
   <p:sldIdLst>
     <p:sldId id="276" r:id="rId2"/>
@@ -18,7 +18,16 @@
     <p:sldId id="283" r:id="rId9"/>
     <p:sldId id="285" r:id="rId10"/>
     <p:sldId id="287" r:id="rId11"/>
-    <p:sldId id="272" r:id="rId12"/>
+    <p:sldId id="288" r:id="rId12"/>
+    <p:sldId id="289" r:id="rId13"/>
+    <p:sldId id="290" r:id="rId14"/>
+    <p:sldId id="291" r:id="rId15"/>
+    <p:sldId id="292" r:id="rId16"/>
+    <p:sldId id="272" r:id="rId17"/>
+    <p:sldId id="293" r:id="rId18"/>
+    <p:sldId id="295" r:id="rId19"/>
+    <p:sldId id="296" r:id="rId20"/>
+    <p:sldId id="294" r:id="rId21"/>
   </p:sldIdLst>
   <p:sldSz cx="12192000" cy="6858000"/>
   <p:notesSz cx="6858000" cy="9144000"/>
@@ -207,7 +216,7 @@
           <a:p>
             <a:fld id="{7351517B-4E0C-466A-821C-663891C35E17}" type="datetimeFigureOut">
               <a:rPr lang="en-GB" smtClean="0"/>
-              <a:t>18/01/2021</a:t>
+              <a:t>24/01/2021</a:t>
             </a:fld>
             <a:endParaRPr lang="en-GB"/>
           </a:p>
@@ -676,18 +685,6 @@
               <a:t>The function g(h) is a nonlinear equation that assumes its value based on the ranking of the hidden neuron activation value h. When h is the most activated neurons for a specific pattern, g has value of 1; when it is the second most activated neuron, g has value minus zero point four; in all other cases, g equals zero.</a:t>
             </a:r>
           </a:p>
-          <a:p>
-            <a:r>
-              <a:rPr lang="it-IT"/>
-              <a:t>This means that there is a direct competition between neurons to tune in for each specific recurring pattern, wich leads to unsupervised learning.</a:t>
-            </a:r>
-          </a:p>
-          <a:p>
-            <a:r>
-              <a:rPr lang="it-IT"/>
-              <a:t>The weights are presented to the networks in batches, until the whole training dataset is processed. The procedure (prosìd ia) is then repeated many times until convergence.</a:t>
-            </a:r>
-          </a:p>
         </p:txBody>
       </p:sp>
       <p:sp>
@@ -772,9 +769,14 @@
           <a:p>
             <a:r>
               <a:rPr lang="it-IT"/>
-              <a:t>Then i started to study the behavour of the model at various paramenters.</a:t>
-            </a:r>
-            <a:endParaRPr lang="en-GB"/>
+              <a:t>This means that there is a direct competition between neurons to tune in for each specific recurring pattern, wich leads to unsupervised learning.</a:t>
+            </a:r>
+          </a:p>
+          <a:p>
+            <a:r>
+              <a:rPr lang="it-IT"/>
+              <a:t>The weights are presented to the networks in batches, until the whole training dataset is processed. The procedure (prosìd ia) is then repeated many times until convergence.</a:t>
+            </a:r>
           </a:p>
         </p:txBody>
       </p:sp>
@@ -804,7 +806,632 @@
     </p:spTree>
     <p:extLst>
       <p:ext uri="{BB962C8B-B14F-4D97-AF65-F5344CB8AC3E}">
+        <p14:creationId xmlns:p14="http://schemas.microsoft.com/office/powerpoint/2010/main" val="1189382180"/>
+      </p:ext>
+    </p:extLst>
+  </p:cSld>
+  <p:clrMapOvr>
+    <a:masterClrMapping/>
+  </p:clrMapOvr>
+</p:notes>
+</file>
+
+<file path=ppt/notesSlides/notesSlide12.xml><?xml version="1.0" encoding="utf-8"?>
+<p:notes xmlns:a="http://schemas.openxmlformats.org/drawingml/2006/main" xmlns:r="http://schemas.openxmlformats.org/officeDocument/2006/relationships" xmlns:p="http://schemas.openxmlformats.org/presentationml/2006/main">
+  <p:cSld>
+    <p:spTree>
+      <p:nvGrpSpPr>
+        <p:cNvPr id="1" name=""/>
+        <p:cNvGrpSpPr/>
+        <p:nvPr/>
+      </p:nvGrpSpPr>
+      <p:grpSpPr>
+        <a:xfrm>
+          <a:off x="0" y="0"/>
+          <a:ext cx="0" cy="0"/>
+          <a:chOff x="0" y="0"/>
+          <a:chExt cx="0" cy="0"/>
+        </a:xfrm>
+      </p:grpSpPr>
+      <p:sp>
+        <p:nvSpPr>
+          <p:cNvPr id="2" name="Segnaposto immagine diapositiva 1"/>
+          <p:cNvSpPr>
+            <a:spLocks noGrp="1" noRot="1" noChangeAspect="1"/>
+          </p:cNvSpPr>
+          <p:nvPr>
+            <p:ph type="sldImg"/>
+          </p:nvPr>
+        </p:nvSpPr>
+        <p:spPr/>
+      </p:sp>
+      <p:sp>
+        <p:nvSpPr>
+          <p:cNvPr id="3" name="Segnaposto note 2"/>
+          <p:cNvSpPr>
+            <a:spLocks noGrp="1"/>
+          </p:cNvSpPr>
+          <p:nvPr>
+            <p:ph type="body" idx="1"/>
+          </p:nvPr>
+        </p:nvSpPr>
+        <p:spPr/>
+        <p:txBody>
+          <a:bodyPr/>
+          <a:lstStyle/>
+          <a:p>
+            <a:r>
+              <a:rPr lang="it-IT"/>
+              <a:t>One of the most peculiar visual characteristics of this algorithm is that the among the synapses of the neurons visual patterns resembling the original inputs emerge naturally.</a:t>
+            </a:r>
+            <a:r>
+              <a:rPr lang="it-IT" u="none"/>
+              <a:t> What we see on screen right are one hundred samples of the mnist handwritten digits dataset. Each sample has seventy hundred eghty seven pixels, arranged in a twenty eight by twenty eight grind.</a:t>
+            </a:r>
+            <a:endParaRPr lang="it-IT"/>
+          </a:p>
+        </p:txBody>
+      </p:sp>
+      <p:sp>
+        <p:nvSpPr>
+          <p:cNvPr id="4" name="Segnaposto numero diapositiva 3"/>
+          <p:cNvSpPr>
+            <a:spLocks noGrp="1"/>
+          </p:cNvSpPr>
+          <p:nvPr>
+            <p:ph type="sldNum" sz="quarter" idx="5"/>
+          </p:nvPr>
+        </p:nvSpPr>
+        <p:spPr/>
+        <p:txBody>
+          <a:bodyPr/>
+          <a:lstStyle/>
+          <a:p>
+            <a:fld id="{9D55CFEE-08FE-479E-BB74-8D58A148EDA8}" type="slidenum">
+              <a:rPr lang="en-GB" smtClean="0"/>
+              <a:t>12</a:t>
+            </a:fld>
+            <a:endParaRPr lang="en-GB"/>
+          </a:p>
+        </p:txBody>
+      </p:sp>
+    </p:spTree>
+    <p:extLst>
+      <p:ext uri="{BB962C8B-B14F-4D97-AF65-F5344CB8AC3E}">
+        <p14:creationId xmlns:p14="http://schemas.microsoft.com/office/powerpoint/2010/main" val="3767541978"/>
+      </p:ext>
+    </p:extLst>
+  </p:cSld>
+  <p:clrMapOvr>
+    <a:masterClrMapping/>
+  </p:clrMapOvr>
+</p:notes>
+</file>
+
+<file path=ppt/notesSlides/notesSlide13.xml><?xml version="1.0" encoding="utf-8"?>
+<p:notes xmlns:a="http://schemas.openxmlformats.org/drawingml/2006/main" xmlns:r="http://schemas.openxmlformats.org/officeDocument/2006/relationships" xmlns:p="http://schemas.openxmlformats.org/presentationml/2006/main">
+  <p:cSld>
+    <p:spTree>
+      <p:nvGrpSpPr>
+        <p:cNvPr id="1" name=""/>
+        <p:cNvGrpSpPr/>
+        <p:nvPr/>
+      </p:nvGrpSpPr>
+      <p:grpSpPr>
+        <a:xfrm>
+          <a:off x="0" y="0"/>
+          <a:ext cx="0" cy="0"/>
+          <a:chOff x="0" y="0"/>
+          <a:chExt cx="0" cy="0"/>
+        </a:xfrm>
+      </p:grpSpPr>
+      <p:sp>
+        <p:nvSpPr>
+          <p:cNvPr id="2" name="Segnaposto immagine diapositiva 1"/>
+          <p:cNvSpPr>
+            <a:spLocks noGrp="1" noRot="1" noChangeAspect="1"/>
+          </p:cNvSpPr>
+          <p:nvPr>
+            <p:ph type="sldImg"/>
+          </p:nvPr>
+        </p:nvSpPr>
+        <p:spPr/>
+      </p:sp>
+      <p:sp>
+        <p:nvSpPr>
+          <p:cNvPr id="3" name="Segnaposto note 2"/>
+          <p:cNvSpPr>
+            <a:spLocks noGrp="1"/>
+          </p:cNvSpPr>
+          <p:nvPr>
+            <p:ph type="body" idx="1"/>
+          </p:nvPr>
+        </p:nvSpPr>
+        <p:spPr/>
+        <p:txBody>
+          <a:bodyPr/>
+          <a:lstStyle/>
+          <a:p>
+            <a:r>
+              <a:rPr lang="it-IT"/>
+              <a:t>This is a visual representation of the weight matrix. There are one hundred hidden neurons, each of wich has seven hundred eighty seven synapses, one for each pixel of the input, similarly arranged in a twenty eight by twenty eight matrix.</a:t>
+            </a:r>
+          </a:p>
+          <a:p>
+            <a:r>
+              <a:rPr lang="it-IT"/>
+              <a:t>This is how the weights evolve during the learning, after being randomly intialized.</a:t>
+            </a:r>
+            <a:endParaRPr lang="en-GB"/>
+          </a:p>
+        </p:txBody>
+      </p:sp>
+      <p:sp>
+        <p:nvSpPr>
+          <p:cNvPr id="4" name="Segnaposto numero diapositiva 3"/>
+          <p:cNvSpPr>
+            <a:spLocks noGrp="1"/>
+          </p:cNvSpPr>
+          <p:nvPr>
+            <p:ph type="sldNum" sz="quarter" idx="5"/>
+          </p:nvPr>
+        </p:nvSpPr>
+        <p:spPr/>
+        <p:txBody>
+          <a:bodyPr/>
+          <a:lstStyle/>
+          <a:p>
+            <a:fld id="{9D55CFEE-08FE-479E-BB74-8D58A148EDA8}" type="slidenum">
+              <a:rPr lang="en-GB" smtClean="0"/>
+              <a:t>13</a:t>
+            </a:fld>
+            <a:endParaRPr lang="en-GB"/>
+          </a:p>
+        </p:txBody>
+      </p:sp>
+    </p:spTree>
+    <p:extLst>
+      <p:ext uri="{BB962C8B-B14F-4D97-AF65-F5344CB8AC3E}">
+        <p14:creationId xmlns:p14="http://schemas.microsoft.com/office/powerpoint/2010/main" val="3421126411"/>
+      </p:ext>
+    </p:extLst>
+  </p:cSld>
+  <p:clrMapOvr>
+    <a:masterClrMapping/>
+  </p:clrMapOvr>
+</p:notes>
+</file>
+
+<file path=ppt/notesSlides/notesSlide14.xml><?xml version="1.0" encoding="utf-8"?>
+<p:notes xmlns:a="http://schemas.openxmlformats.org/drawingml/2006/main" xmlns:r="http://schemas.openxmlformats.org/officeDocument/2006/relationships" xmlns:p="http://schemas.openxmlformats.org/presentationml/2006/main">
+  <p:cSld>
+    <p:spTree>
+      <p:nvGrpSpPr>
+        <p:cNvPr id="1" name=""/>
+        <p:cNvGrpSpPr/>
+        <p:nvPr/>
+      </p:nvGrpSpPr>
+      <p:grpSpPr>
+        <a:xfrm>
+          <a:off x="0" y="0"/>
+          <a:ext cx="0" cy="0"/>
+          <a:chOff x="0" y="0"/>
+          <a:chExt cx="0" cy="0"/>
+        </a:xfrm>
+      </p:grpSpPr>
+      <p:sp>
+        <p:nvSpPr>
+          <p:cNvPr id="2" name="Segnaposto immagine diapositiva 1"/>
+          <p:cNvSpPr>
+            <a:spLocks noGrp="1" noRot="1" noChangeAspect="1"/>
+          </p:cNvSpPr>
+          <p:nvPr>
+            <p:ph type="sldImg"/>
+          </p:nvPr>
+        </p:nvSpPr>
+        <p:spPr/>
+      </p:sp>
+      <p:sp>
+        <p:nvSpPr>
+          <p:cNvPr id="3" name="Segnaposto note 2"/>
+          <p:cNvSpPr>
+            <a:spLocks noGrp="1"/>
+          </p:cNvSpPr>
+          <p:nvPr>
+            <p:ph type="body" idx="1"/>
+          </p:nvPr>
+        </p:nvSpPr>
+        <p:spPr/>
+        <p:txBody>
+          <a:bodyPr/>
+          <a:lstStyle/>
+          <a:p>
+            <a:r>
+              <a:rPr lang="it-IT"/>
+              <a:t>As we can see, the emerging patterns resemble quite well the original digits. However, they are not a simple copy. For instance, in some cases negative values are present, while the original samples are all positive. From a mathematical standpoint, this is due to anti-hebbian learning, in which weights are pushed away from a specific pattern.</a:t>
+            </a:r>
+            <a:endParaRPr lang="en-GB"/>
+          </a:p>
+        </p:txBody>
+      </p:sp>
+      <p:sp>
+        <p:nvSpPr>
+          <p:cNvPr id="4" name="Segnaposto numero diapositiva 3"/>
+          <p:cNvSpPr>
+            <a:spLocks noGrp="1"/>
+          </p:cNvSpPr>
+          <p:nvPr>
+            <p:ph type="sldNum" sz="quarter" idx="5"/>
+          </p:nvPr>
+        </p:nvSpPr>
+        <p:spPr/>
+        <p:txBody>
+          <a:bodyPr/>
+          <a:lstStyle/>
+          <a:p>
+            <a:fld id="{9D55CFEE-08FE-479E-BB74-8D58A148EDA8}" type="slidenum">
+              <a:rPr lang="en-GB" smtClean="0"/>
+              <a:t>16</a:t>
+            </a:fld>
+            <a:endParaRPr lang="en-GB"/>
+          </a:p>
+        </p:txBody>
+      </p:sp>
+    </p:spTree>
+    <p:extLst>
+      <p:ext uri="{BB962C8B-B14F-4D97-AF65-F5344CB8AC3E}">
         <p14:creationId xmlns:p14="http://schemas.microsoft.com/office/powerpoint/2010/main" val="393449429"/>
+      </p:ext>
+    </p:extLst>
+  </p:cSld>
+  <p:clrMapOvr>
+    <a:masterClrMapping/>
+  </p:clrMapOvr>
+</p:notes>
+</file>
+
+<file path=ppt/notesSlides/notesSlide15.xml><?xml version="1.0" encoding="utf-8"?>
+<p:notes xmlns:a="http://schemas.openxmlformats.org/drawingml/2006/main" xmlns:r="http://schemas.openxmlformats.org/officeDocument/2006/relationships" xmlns:p="http://schemas.openxmlformats.org/presentationml/2006/main">
+  <p:cSld>
+    <p:spTree>
+      <p:nvGrpSpPr>
+        <p:cNvPr id="1" name=""/>
+        <p:cNvGrpSpPr/>
+        <p:nvPr/>
+      </p:nvGrpSpPr>
+      <p:grpSpPr>
+        <a:xfrm>
+          <a:off x="0" y="0"/>
+          <a:ext cx="0" cy="0"/>
+          <a:chOff x="0" y="0"/>
+          <a:chExt cx="0" cy="0"/>
+        </a:xfrm>
+      </p:grpSpPr>
+      <p:sp>
+        <p:nvSpPr>
+          <p:cNvPr id="2" name="Segnaposto immagine diapositiva 1"/>
+          <p:cNvSpPr>
+            <a:spLocks noGrp="1" noRot="1" noChangeAspect="1"/>
+          </p:cNvSpPr>
+          <p:nvPr>
+            <p:ph type="sldImg"/>
+          </p:nvPr>
+        </p:nvSpPr>
+        <p:spPr/>
+      </p:sp>
+      <p:sp>
+        <p:nvSpPr>
+          <p:cNvPr id="3" name="Segnaposto note 2"/>
+          <p:cNvSpPr>
+            <a:spLocks noGrp="1"/>
+          </p:cNvSpPr>
+          <p:nvPr>
+            <p:ph type="body" idx="1"/>
+          </p:nvPr>
+        </p:nvSpPr>
+        <p:spPr/>
+        <p:txBody>
+          <a:bodyPr/>
+          <a:lstStyle/>
+          <a:p>
+            <a:r>
+              <a:rPr lang="it-IT"/>
+              <a:t>One of the first  visual observation made about the convergence pattern of the synapses was the subsequent: in some cases, about 20% of the times, this would be the convergence pattern. It is, as one can imagine, not quite useful for classification purposes.</a:t>
+            </a:r>
+          </a:p>
+          <a:p>
+            <a:r>
+              <a:rPr lang="it-IT"/>
+              <a:t>A theoretical explanation can be given in terms of nonsufficient differentiation of initial synapses values, and this is confirmed by the fact that reducing the standard deviation makes this result consistent. A single hidden neuron, the one that has only positive value at convergence, in the upper rright corner of this image, is chosen as the most activated in a majority of cases, resulting in all the other neurons sysnapses values getting lowered.</a:t>
+            </a:r>
+          </a:p>
+          <a:p>
+            <a:r>
+              <a:rPr lang="it-IT"/>
+              <a:t>To avoid this, a slight deviation from the original algorithm has been implemented, switching off hebbian learning.</a:t>
+            </a:r>
+          </a:p>
+        </p:txBody>
+      </p:sp>
+      <p:sp>
+        <p:nvSpPr>
+          <p:cNvPr id="4" name="Segnaposto numero diapositiva 3"/>
+          <p:cNvSpPr>
+            <a:spLocks noGrp="1"/>
+          </p:cNvSpPr>
+          <p:nvPr>
+            <p:ph type="sldNum" sz="quarter" idx="5"/>
+          </p:nvPr>
+        </p:nvSpPr>
+        <p:spPr/>
+        <p:txBody>
+          <a:bodyPr/>
+          <a:lstStyle/>
+          <a:p>
+            <a:fld id="{9D55CFEE-08FE-479E-BB74-8D58A148EDA8}" type="slidenum">
+              <a:rPr lang="en-GB" smtClean="0"/>
+              <a:t>17</a:t>
+            </a:fld>
+            <a:endParaRPr lang="en-GB"/>
+          </a:p>
+        </p:txBody>
+      </p:sp>
+    </p:spTree>
+    <p:extLst>
+      <p:ext uri="{BB962C8B-B14F-4D97-AF65-F5344CB8AC3E}">
+        <p14:creationId xmlns:p14="http://schemas.microsoft.com/office/powerpoint/2010/main" val="3412135212"/>
+      </p:ext>
+    </p:extLst>
+  </p:cSld>
+  <p:clrMapOvr>
+    <a:masterClrMapping/>
+  </p:clrMapOvr>
+</p:notes>
+</file>
+
+<file path=ppt/notesSlides/notesSlide16.xml><?xml version="1.0" encoding="utf-8"?>
+<p:notes xmlns:a="http://schemas.openxmlformats.org/drawingml/2006/main" xmlns:r="http://schemas.openxmlformats.org/officeDocument/2006/relationships" xmlns:p="http://schemas.openxmlformats.org/presentationml/2006/main">
+  <p:cSld>
+    <p:spTree>
+      <p:nvGrpSpPr>
+        <p:cNvPr id="1" name=""/>
+        <p:cNvGrpSpPr/>
+        <p:nvPr/>
+      </p:nvGrpSpPr>
+      <p:grpSpPr>
+        <a:xfrm>
+          <a:off x="0" y="0"/>
+          <a:ext cx="0" cy="0"/>
+          <a:chOff x="0" y="0"/>
+          <a:chExt cx="0" cy="0"/>
+        </a:xfrm>
+      </p:grpSpPr>
+      <p:sp>
+        <p:nvSpPr>
+          <p:cNvPr id="2" name="Segnaposto immagine diapositiva 1"/>
+          <p:cNvSpPr>
+            <a:spLocks noGrp="1" noRot="1" noChangeAspect="1"/>
+          </p:cNvSpPr>
+          <p:nvPr>
+            <p:ph type="sldImg"/>
+          </p:nvPr>
+        </p:nvSpPr>
+        <p:spPr/>
+      </p:sp>
+      <p:sp>
+        <p:nvSpPr>
+          <p:cNvPr id="3" name="Segnaposto note 2"/>
+          <p:cNvSpPr>
+            <a:spLocks noGrp="1"/>
+          </p:cNvSpPr>
+          <p:nvPr>
+            <p:ph type="body" idx="1"/>
+          </p:nvPr>
+        </p:nvSpPr>
+        <p:spPr/>
+        <p:txBody>
+          <a:bodyPr/>
+          <a:lstStyle/>
+          <a:p>
+            <a:endParaRPr lang="it-IT"/>
+          </a:p>
+        </p:txBody>
+      </p:sp>
+      <p:sp>
+        <p:nvSpPr>
+          <p:cNvPr id="4" name="Segnaposto numero diapositiva 3"/>
+          <p:cNvSpPr>
+            <a:spLocks noGrp="1"/>
+          </p:cNvSpPr>
+          <p:nvPr>
+            <p:ph type="sldNum" sz="quarter" idx="5"/>
+          </p:nvPr>
+        </p:nvSpPr>
+        <p:spPr/>
+        <p:txBody>
+          <a:bodyPr/>
+          <a:lstStyle/>
+          <a:p>
+            <a:fld id="{9D55CFEE-08FE-479E-BB74-8D58A148EDA8}" type="slidenum">
+              <a:rPr lang="en-GB" smtClean="0"/>
+              <a:t>18</a:t>
+            </a:fld>
+            <a:endParaRPr lang="en-GB"/>
+          </a:p>
+        </p:txBody>
+      </p:sp>
+    </p:spTree>
+    <p:extLst>
+      <p:ext uri="{BB962C8B-B14F-4D97-AF65-F5344CB8AC3E}">
+        <p14:creationId xmlns:p14="http://schemas.microsoft.com/office/powerpoint/2010/main" val="2176407397"/>
+      </p:ext>
+    </p:extLst>
+  </p:cSld>
+  <p:clrMapOvr>
+    <a:masterClrMapping/>
+  </p:clrMapOvr>
+</p:notes>
+</file>
+
+<file path=ppt/notesSlides/notesSlide17.xml><?xml version="1.0" encoding="utf-8"?>
+<p:notes xmlns:a="http://schemas.openxmlformats.org/drawingml/2006/main" xmlns:r="http://schemas.openxmlformats.org/officeDocument/2006/relationships" xmlns:p="http://schemas.openxmlformats.org/presentationml/2006/main">
+  <p:cSld>
+    <p:spTree>
+      <p:nvGrpSpPr>
+        <p:cNvPr id="1" name=""/>
+        <p:cNvGrpSpPr/>
+        <p:nvPr/>
+      </p:nvGrpSpPr>
+      <p:grpSpPr>
+        <a:xfrm>
+          <a:off x="0" y="0"/>
+          <a:ext cx="0" cy="0"/>
+          <a:chOff x="0" y="0"/>
+          <a:chExt cx="0" cy="0"/>
+        </a:xfrm>
+      </p:grpSpPr>
+      <p:sp>
+        <p:nvSpPr>
+          <p:cNvPr id="2" name="Segnaposto immagine diapositiva 1"/>
+          <p:cNvSpPr>
+            <a:spLocks noGrp="1" noRot="1" noChangeAspect="1"/>
+          </p:cNvSpPr>
+          <p:nvPr>
+            <p:ph type="sldImg"/>
+          </p:nvPr>
+        </p:nvSpPr>
+        <p:spPr/>
+      </p:sp>
+      <p:sp>
+        <p:nvSpPr>
+          <p:cNvPr id="3" name="Segnaposto note 2"/>
+          <p:cNvSpPr>
+            <a:spLocks noGrp="1"/>
+          </p:cNvSpPr>
+          <p:nvPr>
+            <p:ph type="body" idx="1"/>
+          </p:nvPr>
+        </p:nvSpPr>
+        <p:spPr/>
+        <p:txBody>
+          <a:bodyPr/>
+          <a:lstStyle/>
+          <a:p>
+            <a:endParaRPr lang="it-IT"/>
+          </a:p>
+        </p:txBody>
+      </p:sp>
+      <p:sp>
+        <p:nvSpPr>
+          <p:cNvPr id="4" name="Segnaposto numero diapositiva 3"/>
+          <p:cNvSpPr>
+            <a:spLocks noGrp="1"/>
+          </p:cNvSpPr>
+          <p:nvPr>
+            <p:ph type="sldNum" sz="quarter" idx="5"/>
+          </p:nvPr>
+        </p:nvSpPr>
+        <p:spPr/>
+        <p:txBody>
+          <a:bodyPr/>
+          <a:lstStyle/>
+          <a:p>
+            <a:fld id="{9D55CFEE-08FE-479E-BB74-8D58A148EDA8}" type="slidenum">
+              <a:rPr lang="en-GB" smtClean="0"/>
+              <a:t>19</a:t>
+            </a:fld>
+            <a:endParaRPr lang="en-GB"/>
+          </a:p>
+        </p:txBody>
+      </p:sp>
+    </p:spTree>
+    <p:extLst>
+      <p:ext uri="{BB962C8B-B14F-4D97-AF65-F5344CB8AC3E}">
+        <p14:creationId xmlns:p14="http://schemas.microsoft.com/office/powerpoint/2010/main" val="3356382308"/>
+      </p:ext>
+    </p:extLst>
+  </p:cSld>
+  <p:clrMapOvr>
+    <a:masterClrMapping/>
+  </p:clrMapOvr>
+</p:notes>
+</file>
+
+<file path=ppt/notesSlides/notesSlide18.xml><?xml version="1.0" encoding="utf-8"?>
+<p:notes xmlns:a="http://schemas.openxmlformats.org/drawingml/2006/main" xmlns:r="http://schemas.openxmlformats.org/officeDocument/2006/relationships" xmlns:p="http://schemas.openxmlformats.org/presentationml/2006/main">
+  <p:cSld>
+    <p:spTree>
+      <p:nvGrpSpPr>
+        <p:cNvPr id="1" name=""/>
+        <p:cNvGrpSpPr/>
+        <p:nvPr/>
+      </p:nvGrpSpPr>
+      <p:grpSpPr>
+        <a:xfrm>
+          <a:off x="0" y="0"/>
+          <a:ext cx="0" cy="0"/>
+          <a:chOff x="0" y="0"/>
+          <a:chExt cx="0" cy="0"/>
+        </a:xfrm>
+      </p:grpSpPr>
+      <p:sp>
+        <p:nvSpPr>
+          <p:cNvPr id="2" name="Segnaposto immagine diapositiva 1"/>
+          <p:cNvSpPr>
+            <a:spLocks noGrp="1" noRot="1" noChangeAspect="1"/>
+          </p:cNvSpPr>
+          <p:nvPr>
+            <p:ph type="sldImg"/>
+          </p:nvPr>
+        </p:nvSpPr>
+        <p:spPr/>
+      </p:sp>
+      <p:sp>
+        <p:nvSpPr>
+          <p:cNvPr id="3" name="Segnaposto note 2"/>
+          <p:cNvSpPr>
+            <a:spLocks noGrp="1"/>
+          </p:cNvSpPr>
+          <p:nvPr>
+            <p:ph type="body" idx="1"/>
+          </p:nvPr>
+        </p:nvSpPr>
+        <p:spPr/>
+        <p:txBody>
+          <a:bodyPr/>
+          <a:lstStyle/>
+          <a:p>
+            <a:endParaRPr lang="en-GB"/>
+          </a:p>
+        </p:txBody>
+      </p:sp>
+      <p:sp>
+        <p:nvSpPr>
+          <p:cNvPr id="4" name="Segnaposto numero diapositiva 3"/>
+          <p:cNvSpPr>
+            <a:spLocks noGrp="1"/>
+          </p:cNvSpPr>
+          <p:nvPr>
+            <p:ph type="sldNum" sz="quarter" idx="5"/>
+          </p:nvPr>
+        </p:nvSpPr>
+        <p:spPr/>
+        <p:txBody>
+          <a:bodyPr/>
+          <a:lstStyle/>
+          <a:p>
+            <a:fld id="{9D55CFEE-08FE-479E-BB74-8D58A148EDA8}" type="slidenum">
+              <a:rPr lang="en-GB" smtClean="0"/>
+              <a:t>20</a:t>
+            </a:fld>
+            <a:endParaRPr lang="en-GB"/>
+          </a:p>
+        </p:txBody>
+      </p:sp>
+    </p:spTree>
+    <p:extLst>
+      <p:ext uri="{BB962C8B-B14F-4D97-AF65-F5344CB8AC3E}">
+        <p14:creationId xmlns:p14="http://schemas.microsoft.com/office/powerpoint/2010/main" val="810263069"/>
       </p:ext>
     </p:extLst>
   </p:cSld>
@@ -1704,7 +2331,7 @@
           <a:p>
             <a:fld id="{1954DDFD-AEE0-4848-8661-3FD09D92B17F}" type="datetimeFigureOut">
               <a:rPr lang="en-GB" smtClean="0"/>
-              <a:t>18/01/2021</a:t>
+              <a:t>24/01/2021</a:t>
             </a:fld>
             <a:endParaRPr lang="en-GB"/>
           </a:p>
@@ -1904,7 +2531,7 @@
           <a:p>
             <a:fld id="{1954DDFD-AEE0-4848-8661-3FD09D92B17F}" type="datetimeFigureOut">
               <a:rPr lang="en-GB" smtClean="0"/>
-              <a:t>18/01/2021</a:t>
+              <a:t>24/01/2021</a:t>
             </a:fld>
             <a:endParaRPr lang="en-GB"/>
           </a:p>
@@ -2114,7 +2741,7 @@
           <a:p>
             <a:fld id="{1954DDFD-AEE0-4848-8661-3FD09D92B17F}" type="datetimeFigureOut">
               <a:rPr lang="en-GB" smtClean="0"/>
-              <a:t>18/01/2021</a:t>
+              <a:t>24/01/2021</a:t>
             </a:fld>
             <a:endParaRPr lang="en-GB"/>
           </a:p>
@@ -2314,7 +2941,7 @@
           <a:p>
             <a:fld id="{1954DDFD-AEE0-4848-8661-3FD09D92B17F}" type="datetimeFigureOut">
               <a:rPr lang="en-GB" smtClean="0"/>
-              <a:t>18/01/2021</a:t>
+              <a:t>24/01/2021</a:t>
             </a:fld>
             <a:endParaRPr lang="en-GB"/>
           </a:p>
@@ -2590,7 +3217,7 @@
           <a:p>
             <a:fld id="{1954DDFD-AEE0-4848-8661-3FD09D92B17F}" type="datetimeFigureOut">
               <a:rPr lang="en-GB" smtClean="0"/>
-              <a:t>18/01/2021</a:t>
+              <a:t>24/01/2021</a:t>
             </a:fld>
             <a:endParaRPr lang="en-GB"/>
           </a:p>
@@ -2858,7 +3485,7 @@
           <a:p>
             <a:fld id="{1954DDFD-AEE0-4848-8661-3FD09D92B17F}" type="datetimeFigureOut">
               <a:rPr lang="en-GB" smtClean="0"/>
-              <a:t>18/01/2021</a:t>
+              <a:t>24/01/2021</a:t>
             </a:fld>
             <a:endParaRPr lang="en-GB"/>
           </a:p>
@@ -3273,7 +3900,7 @@
           <a:p>
             <a:fld id="{1954DDFD-AEE0-4848-8661-3FD09D92B17F}" type="datetimeFigureOut">
               <a:rPr lang="en-GB" smtClean="0"/>
-              <a:t>18/01/2021</a:t>
+              <a:t>24/01/2021</a:t>
             </a:fld>
             <a:endParaRPr lang="en-GB"/>
           </a:p>
@@ -3415,7 +4042,7 @@
           <a:p>
             <a:fld id="{1954DDFD-AEE0-4848-8661-3FD09D92B17F}" type="datetimeFigureOut">
               <a:rPr lang="en-GB" smtClean="0"/>
-              <a:t>18/01/2021</a:t>
+              <a:t>24/01/2021</a:t>
             </a:fld>
             <a:endParaRPr lang="en-GB"/>
           </a:p>
@@ -3528,7 +4155,7 @@
           <a:p>
             <a:fld id="{1954DDFD-AEE0-4848-8661-3FD09D92B17F}" type="datetimeFigureOut">
               <a:rPr lang="en-GB" smtClean="0"/>
-              <a:t>18/01/2021</a:t>
+              <a:t>24/01/2021</a:t>
             </a:fld>
             <a:endParaRPr lang="en-GB"/>
           </a:p>
@@ -3841,7 +4468,7 @@
           <a:p>
             <a:fld id="{1954DDFD-AEE0-4848-8661-3FD09D92B17F}" type="datetimeFigureOut">
               <a:rPr lang="en-GB" smtClean="0"/>
-              <a:t>18/01/2021</a:t>
+              <a:t>24/01/2021</a:t>
             </a:fld>
             <a:endParaRPr lang="en-GB"/>
           </a:p>
@@ -4130,7 +4757,7 @@
           <a:p>
             <a:fld id="{1954DDFD-AEE0-4848-8661-3FD09D92B17F}" type="datetimeFigureOut">
               <a:rPr lang="en-GB" smtClean="0"/>
-              <a:t>18/01/2021</a:t>
+              <a:t>24/01/2021</a:t>
             </a:fld>
             <a:endParaRPr lang="en-GB"/>
           </a:p>
@@ -4373,7 +5000,7 @@
           <a:p>
             <a:fld id="{1954DDFD-AEE0-4848-8661-3FD09D92B17F}" type="datetimeFigureOut">
               <a:rPr lang="en-GB" smtClean="0"/>
-              <a:t>18/01/2021</a:t>
+              <a:t>24/01/2021</a:t>
             </a:fld>
             <a:endParaRPr lang="en-GB"/>
           </a:p>
@@ -4896,8 +5523,8 @@
           <a:chExt cx="0" cy="0"/>
         </a:xfrm>
       </p:grpSpPr>
-      <mc:AlternateContent xmlns:mc="http://schemas.openxmlformats.org/markup-compatibility/2006">
-        <mc:Choice xmlns:a14="http://schemas.microsoft.com/office/drawing/2010/main" Requires="a14">
+      <mc:AlternateContent xmlns:mc="http://schemas.openxmlformats.org/markup-compatibility/2006" xmlns:a14="http://schemas.microsoft.com/office/drawing/2010/main">
+        <mc:Choice Requires="a14">
           <p:sp>
             <p:nvSpPr>
               <p:cNvPr id="4" name="CasellaDiTesto 3">
@@ -5059,7 +5686,7 @@
             </p:txBody>
           </p:sp>
         </mc:Choice>
-        <mc:Fallback>
+        <mc:Fallback xmlns="">
           <p:sp>
             <p:nvSpPr>
               <p:cNvPr id="4" name="CasellaDiTesto 3">
@@ -5357,56 +5984,6 @@
           </a:graphicData>
         </a:graphic>
       </p:graphicFrame>
-      <p:sp>
-        <p:nvSpPr>
-          <p:cNvPr id="5" name="CasellaDiTesto 4">
-            <a:extLst>
-              <a:ext uri="{FF2B5EF4-FFF2-40B4-BE49-F238E27FC236}">
-                <a16:creationId xmlns:a16="http://schemas.microsoft.com/office/drawing/2014/main" id="{B1FAA46F-4265-4792-97A4-8C2D9FAEACB8}"/>
-              </a:ext>
-            </a:extLst>
-          </p:cNvPr>
-          <p:cNvSpPr txBox="1"/>
-          <p:nvPr/>
-        </p:nvSpPr>
-        <p:spPr>
-          <a:xfrm>
-            <a:off x="7028329" y="770965"/>
-            <a:ext cx="4697506" cy="3539430"/>
-          </a:xfrm>
-          <a:prstGeom prst="rect">
-            <a:avLst/>
-          </a:prstGeom>
-          <a:noFill/>
-        </p:spPr>
-        <p:txBody>
-          <a:bodyPr wrap="square" rtlCol="0">
-            <a:spAutoFit/>
-          </a:bodyPr>
-          <a:lstStyle/>
-          <a:p>
-            <a:pPr marL="685800" indent="-685800">
-              <a:buFont typeface="Arial" panose="020B0604020202020204" pitchFamily="34" charset="0"/>
-              <a:buChar char="•"/>
-            </a:pPr>
-            <a:r>
-              <a:rPr lang="it-IT" sz="3200"/>
-              <a:t>The most active neuron’s synapses are reinforced</a:t>
-            </a:r>
-          </a:p>
-          <a:p>
-            <a:pPr marL="685800" indent="-685800">
-              <a:buFont typeface="Arial" panose="020B0604020202020204" pitchFamily="34" charset="0"/>
-              <a:buChar char="•"/>
-            </a:pPr>
-            <a:r>
-              <a:rPr lang="it-IT" sz="3200"/>
-              <a:t>The second most active neuron’s synapses are weakened</a:t>
-            </a:r>
-            <a:endParaRPr lang="en-GB" sz="3200"/>
-          </a:p>
-        </p:txBody>
-      </p:sp>
     </p:spTree>
     <p:extLst>
       <p:ext uri="{BB962C8B-B14F-4D97-AF65-F5344CB8AC3E}">
@@ -5437,699 +6014,8 @@
           <a:chExt cx="0" cy="0"/>
         </a:xfrm>
       </p:grpSpPr>
-    </p:spTree>
-    <p:extLst>
-      <p:ext uri="{BB962C8B-B14F-4D97-AF65-F5344CB8AC3E}">
-        <p14:creationId xmlns:p14="http://schemas.microsoft.com/office/powerpoint/2010/main" val="2588232327"/>
-      </p:ext>
-    </p:extLst>
-  </p:cSld>
-  <p:clrMapOvr>
-    <a:masterClrMapping/>
-  </p:clrMapOvr>
-</p:sld>
-</file>
-
-<file path=ppt/slides/slide2.xml><?xml version="1.0" encoding="utf-8"?>
-<p:sld xmlns:a="http://schemas.openxmlformats.org/drawingml/2006/main" xmlns:r="http://schemas.openxmlformats.org/officeDocument/2006/relationships" xmlns:p="http://schemas.openxmlformats.org/presentationml/2006/main">
-  <p:cSld>
-    <p:spTree>
-      <p:nvGrpSpPr>
-        <p:cNvPr id="1" name=""/>
-        <p:cNvGrpSpPr/>
-        <p:nvPr/>
-      </p:nvGrpSpPr>
-      <p:grpSpPr>
-        <a:xfrm>
-          <a:off x="0" y="0"/>
-          <a:ext cx="0" cy="0"/>
-          <a:chOff x="0" y="0"/>
-          <a:chExt cx="0" cy="0"/>
-        </a:xfrm>
-      </p:grpSpPr>
-      <p:sp>
-        <p:nvSpPr>
-          <p:cNvPr id="2" name="CasellaDiTesto 1">
-            <a:extLst>
-              <a:ext uri="{FF2B5EF4-FFF2-40B4-BE49-F238E27FC236}">
-                <a16:creationId xmlns:a16="http://schemas.microsoft.com/office/drawing/2014/main" id="{3902C405-2635-4980-A7BA-EA602E3DECDF}"/>
-              </a:ext>
-            </a:extLst>
-          </p:cNvPr>
-          <p:cNvSpPr txBox="1"/>
-          <p:nvPr/>
-        </p:nvSpPr>
-        <p:spPr>
-          <a:xfrm>
-            <a:off x="555812" y="752101"/>
-            <a:ext cx="5540188" cy="2308324"/>
-          </a:xfrm>
-          <a:prstGeom prst="rect">
-            <a:avLst/>
-          </a:prstGeom>
-          <a:noFill/>
-        </p:spPr>
-        <p:txBody>
-          <a:bodyPr wrap="square" rtlCol="0">
-            <a:spAutoFit/>
-          </a:bodyPr>
-          <a:lstStyle/>
-          <a:p>
-            <a:pPr marL="685800" indent="-685800">
-              <a:buFont typeface="Arial" panose="020B0604020202020204" pitchFamily="34" charset="0"/>
-              <a:buChar char="•"/>
-            </a:pPr>
-            <a:r>
-              <a:rPr lang="it-IT" sz="4800"/>
-              <a:t>Biological plausibility of neural networks</a:t>
-            </a:r>
-            <a:endParaRPr lang="en-GB" sz="4800"/>
-          </a:p>
-        </p:txBody>
-      </p:sp>
-      <p:pic>
-        <p:nvPicPr>
-          <p:cNvPr id="6" name="Immagine 5" descr="Immagine che contiene testo&#10;&#10;Descrizione generata automaticamente">
-            <a:extLst>
-              <a:ext uri="{FF2B5EF4-FFF2-40B4-BE49-F238E27FC236}">
-                <a16:creationId xmlns:a16="http://schemas.microsoft.com/office/drawing/2014/main" id="{05221DF6-4066-4EFE-87BD-0B415741606E}"/>
-              </a:ext>
-            </a:extLst>
-          </p:cNvPr>
-          <p:cNvPicPr>
-            <a:picLocks noChangeAspect="1"/>
-          </p:cNvPicPr>
-          <p:nvPr/>
-        </p:nvPicPr>
-        <p:blipFill>
-          <a:blip r:embed="rId3">
-            <a:extLst>
-              <a:ext uri="{28A0092B-C50C-407E-A947-70E740481C1C}">
-                <a14:useLocalDpi xmlns:a14="http://schemas.microsoft.com/office/drawing/2010/main" val="0"/>
-              </a:ext>
-            </a:extLst>
-          </a:blip>
-          <a:stretch>
-            <a:fillRect/>
-          </a:stretch>
-        </p:blipFill>
-        <p:spPr>
-          <a:xfrm>
-            <a:off x="7635130" y="752101"/>
-            <a:ext cx="4001058" cy="5353797"/>
-          </a:xfrm>
-          <a:prstGeom prst="rect">
-            <a:avLst/>
-          </a:prstGeom>
-        </p:spPr>
-      </p:pic>
-    </p:spTree>
-    <p:extLst>
-      <p:ext uri="{BB962C8B-B14F-4D97-AF65-F5344CB8AC3E}">
-        <p14:creationId xmlns:p14="http://schemas.microsoft.com/office/powerpoint/2010/main" val="2185130302"/>
-      </p:ext>
-    </p:extLst>
-  </p:cSld>
-  <p:clrMapOvr>
-    <a:masterClrMapping/>
-  </p:clrMapOvr>
-</p:sld>
-</file>
-
-<file path=ppt/slides/slide3.xml><?xml version="1.0" encoding="utf-8"?>
-<p:sld xmlns:a="http://schemas.openxmlformats.org/drawingml/2006/main" xmlns:r="http://schemas.openxmlformats.org/officeDocument/2006/relationships" xmlns:p="http://schemas.openxmlformats.org/presentationml/2006/main">
-  <p:cSld>
-    <p:spTree>
-      <p:nvGrpSpPr>
-        <p:cNvPr id="1" name=""/>
-        <p:cNvGrpSpPr/>
-        <p:nvPr/>
-      </p:nvGrpSpPr>
-      <p:grpSpPr>
-        <a:xfrm>
-          <a:off x="0" y="0"/>
-          <a:ext cx="0" cy="0"/>
-          <a:chOff x="0" y="0"/>
-          <a:chExt cx="0" cy="0"/>
-        </a:xfrm>
-      </p:grpSpPr>
-      <p:sp>
-        <p:nvSpPr>
-          <p:cNvPr id="2" name="CasellaDiTesto 1">
-            <a:extLst>
-              <a:ext uri="{FF2B5EF4-FFF2-40B4-BE49-F238E27FC236}">
-                <a16:creationId xmlns:a16="http://schemas.microsoft.com/office/drawing/2014/main" id="{3902C405-2635-4980-A7BA-EA602E3DECDF}"/>
-              </a:ext>
-            </a:extLst>
-          </p:cNvPr>
-          <p:cNvSpPr txBox="1"/>
-          <p:nvPr/>
-        </p:nvSpPr>
-        <p:spPr>
-          <a:xfrm>
-            <a:off x="555812" y="752101"/>
-            <a:ext cx="5540188" cy="6001643"/>
-          </a:xfrm>
-          <a:prstGeom prst="rect">
-            <a:avLst/>
-          </a:prstGeom>
-          <a:noFill/>
-        </p:spPr>
-        <p:txBody>
-          <a:bodyPr wrap="square" rtlCol="0">
-            <a:spAutoFit/>
-          </a:bodyPr>
-          <a:lstStyle/>
-          <a:p>
-            <a:pPr marL="685800" indent="-685800">
-              <a:buFont typeface="Arial" panose="020B0604020202020204" pitchFamily="34" charset="0"/>
-              <a:buChar char="•"/>
-            </a:pPr>
-            <a:r>
-              <a:rPr lang="it-IT" sz="4800"/>
-              <a:t>Biological plausibility of neural networks</a:t>
-            </a:r>
-            <a:endParaRPr lang="en-GB" sz="4800"/>
-          </a:p>
-          <a:p>
-            <a:pPr marL="685800" indent="-685800">
-              <a:buFont typeface="Arial" panose="020B0604020202020204" pitchFamily="34" charset="0"/>
-              <a:buChar char="•"/>
-            </a:pPr>
-            <a:r>
-              <a:rPr lang="en-GB" sz="4800"/>
-              <a:t>Two main implausibilities: Backpropagation and supervised learning</a:t>
-            </a:r>
-            <a:endParaRPr lang="it-IT" sz="4800"/>
-          </a:p>
-        </p:txBody>
-      </p:sp>
-      <p:pic>
-        <p:nvPicPr>
-          <p:cNvPr id="6" name="Immagine 5" descr="Immagine che contiene testo&#10;&#10;Descrizione generata automaticamente">
-            <a:extLst>
-              <a:ext uri="{FF2B5EF4-FFF2-40B4-BE49-F238E27FC236}">
-                <a16:creationId xmlns:a16="http://schemas.microsoft.com/office/drawing/2014/main" id="{05221DF6-4066-4EFE-87BD-0B415741606E}"/>
-              </a:ext>
-            </a:extLst>
-          </p:cNvPr>
-          <p:cNvPicPr>
-            <a:picLocks noChangeAspect="1"/>
-          </p:cNvPicPr>
-          <p:nvPr/>
-        </p:nvPicPr>
-        <p:blipFill>
-          <a:blip r:embed="rId3">
-            <a:extLst>
-              <a:ext uri="{28A0092B-C50C-407E-A947-70E740481C1C}">
-                <a14:useLocalDpi xmlns:a14="http://schemas.microsoft.com/office/drawing/2010/main" val="0"/>
-              </a:ext>
-            </a:extLst>
-          </a:blip>
-          <a:stretch>
-            <a:fillRect/>
-          </a:stretch>
-        </p:blipFill>
-        <p:spPr>
-          <a:xfrm>
-            <a:off x="7635130" y="752101"/>
-            <a:ext cx="4001058" cy="5353797"/>
-          </a:xfrm>
-          <a:prstGeom prst="rect">
-            <a:avLst/>
-          </a:prstGeom>
-        </p:spPr>
-      </p:pic>
-    </p:spTree>
-    <p:extLst>
-      <p:ext uri="{BB962C8B-B14F-4D97-AF65-F5344CB8AC3E}">
-        <p14:creationId xmlns:p14="http://schemas.microsoft.com/office/powerpoint/2010/main" val="3677614618"/>
-      </p:ext>
-    </p:extLst>
-  </p:cSld>
-  <p:clrMapOvr>
-    <a:masterClrMapping/>
-  </p:clrMapOvr>
-</p:sld>
-</file>
-
-<file path=ppt/slides/slide4.xml><?xml version="1.0" encoding="utf-8"?>
-<p:sld xmlns:a="http://schemas.openxmlformats.org/drawingml/2006/main" xmlns:r="http://schemas.openxmlformats.org/officeDocument/2006/relationships" xmlns:p="http://schemas.openxmlformats.org/presentationml/2006/main">
-  <p:cSld>
-    <p:spTree>
-      <p:nvGrpSpPr>
-        <p:cNvPr id="1" name=""/>
-        <p:cNvGrpSpPr/>
-        <p:nvPr/>
-      </p:nvGrpSpPr>
-      <p:grpSpPr>
-        <a:xfrm>
-          <a:off x="0" y="0"/>
-          <a:ext cx="0" cy="0"/>
-          <a:chOff x="0" y="0"/>
-          <a:chExt cx="0" cy="0"/>
-        </a:xfrm>
-      </p:grpSpPr>
-      <p:sp>
-        <p:nvSpPr>
-          <p:cNvPr id="2" name="CasellaDiTesto 1">
-            <a:extLst>
-              <a:ext uri="{FF2B5EF4-FFF2-40B4-BE49-F238E27FC236}">
-                <a16:creationId xmlns:a16="http://schemas.microsoft.com/office/drawing/2014/main" id="{3902C405-2635-4980-A7BA-EA602E3DECDF}"/>
-              </a:ext>
-            </a:extLst>
-          </p:cNvPr>
-          <p:cNvSpPr txBox="1"/>
-          <p:nvPr/>
-        </p:nvSpPr>
-        <p:spPr>
-          <a:xfrm>
-            <a:off x="555812" y="2644169"/>
-            <a:ext cx="5540188" cy="1569660"/>
-          </a:xfrm>
-          <a:prstGeom prst="rect">
-            <a:avLst/>
-          </a:prstGeom>
-          <a:noFill/>
-        </p:spPr>
-        <p:txBody>
-          <a:bodyPr wrap="square" rtlCol="0">
-            <a:spAutoFit/>
-          </a:bodyPr>
-          <a:lstStyle/>
-          <a:p>
-            <a:r>
-              <a:rPr lang="it-IT" sz="4800"/>
-              <a:t>Implausibility 1: backpropagation</a:t>
-            </a:r>
-          </a:p>
-        </p:txBody>
-      </p:sp>
-      <p:pic>
-        <p:nvPicPr>
-          <p:cNvPr id="4" name="Immagine 3" descr="Immagine che contiene cosmetico&#10;&#10;Descrizione generata automaticamente">
-            <a:extLst>
-              <a:ext uri="{FF2B5EF4-FFF2-40B4-BE49-F238E27FC236}">
-                <a16:creationId xmlns:a16="http://schemas.microsoft.com/office/drawing/2014/main" id="{3F0FFB2A-23CB-4526-86DE-11644B6F3041}"/>
-              </a:ext>
-            </a:extLst>
-          </p:cNvPr>
-          <p:cNvPicPr>
-            <a:picLocks noChangeAspect="1"/>
-          </p:cNvPicPr>
-          <p:nvPr/>
-        </p:nvPicPr>
-        <p:blipFill rotWithShape="1">
-          <a:blip r:embed="rId3">
-            <a:extLst>
-              <a:ext uri="{28A0092B-C50C-407E-A947-70E740481C1C}">
-                <a14:useLocalDpi xmlns:a14="http://schemas.microsoft.com/office/drawing/2010/main" val="0"/>
-              </a:ext>
-            </a:extLst>
-          </a:blip>
-          <a:srcRect l="25311" r="18511" b="16114"/>
-          <a:stretch/>
-        </p:blipFill>
-        <p:spPr>
-          <a:xfrm>
-            <a:off x="6741460" y="1373401"/>
-            <a:ext cx="4894728" cy="4111197"/>
-          </a:xfrm>
-          <a:prstGeom prst="rect">
-            <a:avLst/>
-          </a:prstGeom>
-        </p:spPr>
-      </p:pic>
-    </p:spTree>
-    <p:extLst>
-      <p:ext uri="{BB962C8B-B14F-4D97-AF65-F5344CB8AC3E}">
-        <p14:creationId xmlns:p14="http://schemas.microsoft.com/office/powerpoint/2010/main" val="3776843104"/>
-      </p:ext>
-    </p:extLst>
-  </p:cSld>
-  <p:clrMapOvr>
-    <a:masterClrMapping/>
-  </p:clrMapOvr>
-</p:sld>
-</file>
-
-<file path=ppt/slides/slide5.xml><?xml version="1.0" encoding="utf-8"?>
-<p:sld xmlns:a="http://schemas.openxmlformats.org/drawingml/2006/main" xmlns:r="http://schemas.openxmlformats.org/officeDocument/2006/relationships" xmlns:p="http://schemas.openxmlformats.org/presentationml/2006/main">
-  <p:cSld>
-    <p:spTree>
-      <p:nvGrpSpPr>
-        <p:cNvPr id="1" name=""/>
-        <p:cNvGrpSpPr/>
-        <p:nvPr/>
-      </p:nvGrpSpPr>
-      <p:grpSpPr>
-        <a:xfrm>
-          <a:off x="0" y="0"/>
-          <a:ext cx="0" cy="0"/>
-          <a:chOff x="0" y="0"/>
-          <a:chExt cx="0" cy="0"/>
-        </a:xfrm>
-      </p:grpSpPr>
-      <p:sp>
-        <p:nvSpPr>
-          <p:cNvPr id="2" name="CasellaDiTesto 1">
-            <a:extLst>
-              <a:ext uri="{FF2B5EF4-FFF2-40B4-BE49-F238E27FC236}">
-                <a16:creationId xmlns:a16="http://schemas.microsoft.com/office/drawing/2014/main" id="{3902C405-2635-4980-A7BA-EA602E3DECDF}"/>
-              </a:ext>
-            </a:extLst>
-          </p:cNvPr>
-          <p:cNvSpPr txBox="1"/>
-          <p:nvPr/>
-        </p:nvSpPr>
-        <p:spPr>
-          <a:xfrm>
-            <a:off x="1447800" y="3013501"/>
-            <a:ext cx="9296400" cy="830997"/>
-          </a:xfrm>
-          <a:prstGeom prst="rect">
-            <a:avLst/>
-          </a:prstGeom>
-          <a:noFill/>
-        </p:spPr>
-        <p:txBody>
-          <a:bodyPr wrap="square" rtlCol="0">
-            <a:spAutoFit/>
-          </a:bodyPr>
-          <a:lstStyle/>
-          <a:p>
-            <a:r>
-              <a:rPr lang="it-IT" sz="4800"/>
-              <a:t>Implausibility 2: supervised learning</a:t>
-            </a:r>
-          </a:p>
-        </p:txBody>
-      </p:sp>
-    </p:spTree>
-    <p:extLst>
-      <p:ext uri="{BB962C8B-B14F-4D97-AF65-F5344CB8AC3E}">
-        <p14:creationId xmlns:p14="http://schemas.microsoft.com/office/powerpoint/2010/main" val="165926690"/>
-      </p:ext>
-    </p:extLst>
-  </p:cSld>
-  <p:clrMapOvr>
-    <a:masterClrMapping/>
-  </p:clrMapOvr>
-</p:sld>
-</file>
-
-<file path=ppt/slides/slide6.xml><?xml version="1.0" encoding="utf-8"?>
-<p:sld xmlns:a="http://schemas.openxmlformats.org/drawingml/2006/main" xmlns:r="http://schemas.openxmlformats.org/officeDocument/2006/relationships" xmlns:p="http://schemas.openxmlformats.org/presentationml/2006/main">
-  <p:cSld>
-    <p:spTree>
-      <p:nvGrpSpPr>
-        <p:cNvPr id="1" name=""/>
-        <p:cNvGrpSpPr/>
-        <p:nvPr/>
-      </p:nvGrpSpPr>
-      <p:grpSpPr>
-        <a:xfrm>
-          <a:off x="0" y="0"/>
-          <a:ext cx="0" cy="0"/>
-          <a:chOff x="0" y="0"/>
-          <a:chExt cx="0" cy="0"/>
-        </a:xfrm>
-      </p:grpSpPr>
-      <p:pic>
-        <p:nvPicPr>
-          <p:cNvPr id="2" name="Immagine 1" descr="Immagine che contiene testo&#10;&#10;Descrizione generata automaticamente">
-            <a:extLst>
-              <a:ext uri="{FF2B5EF4-FFF2-40B4-BE49-F238E27FC236}">
-                <a16:creationId xmlns:a16="http://schemas.microsoft.com/office/drawing/2014/main" id="{F265ECEB-F7BC-4819-97BB-0DB138EDF54A}"/>
-              </a:ext>
-            </a:extLst>
-          </p:cNvPr>
-          <p:cNvPicPr>
-            <a:picLocks noChangeAspect="1"/>
-          </p:cNvPicPr>
-          <p:nvPr/>
-        </p:nvPicPr>
-        <p:blipFill>
-          <a:blip r:embed="rId3">
-            <a:extLst>
-              <a:ext uri="{28A0092B-C50C-407E-A947-70E740481C1C}">
-                <a14:useLocalDpi xmlns:a14="http://schemas.microsoft.com/office/drawing/2010/main" val="0"/>
-              </a:ext>
-            </a:extLst>
-          </a:blip>
-          <a:stretch>
-            <a:fillRect/>
-          </a:stretch>
-        </p:blipFill>
-        <p:spPr>
-          <a:xfrm>
-            <a:off x="7635130" y="752101"/>
-            <a:ext cx="4001058" cy="5353797"/>
-          </a:xfrm>
-          <a:prstGeom prst="rect">
-            <a:avLst/>
-          </a:prstGeom>
-        </p:spPr>
-      </p:pic>
-      <p:sp>
-        <p:nvSpPr>
-          <p:cNvPr id="3" name="CasellaDiTesto 2">
-            <a:extLst>
-              <a:ext uri="{FF2B5EF4-FFF2-40B4-BE49-F238E27FC236}">
-                <a16:creationId xmlns:a16="http://schemas.microsoft.com/office/drawing/2014/main" id="{90407C5F-F44C-4D3C-B2DB-2B94898E06F9}"/>
-              </a:ext>
-            </a:extLst>
-          </p:cNvPr>
-          <p:cNvSpPr txBox="1"/>
-          <p:nvPr/>
-        </p:nvSpPr>
-        <p:spPr>
-          <a:xfrm>
-            <a:off x="555811" y="1536173"/>
-            <a:ext cx="6113929" cy="3046988"/>
-          </a:xfrm>
-          <a:prstGeom prst="rect">
-            <a:avLst/>
-          </a:prstGeom>
-          <a:noFill/>
-        </p:spPr>
-        <p:txBody>
-          <a:bodyPr wrap="square" rtlCol="0">
-            <a:spAutoFit/>
-          </a:bodyPr>
-          <a:lstStyle/>
-          <a:p>
-            <a:pPr marL="685800" indent="-685800">
-              <a:buFont typeface="Arial" panose="020B0604020202020204" pitchFamily="34" charset="0"/>
-              <a:buChar char="•"/>
-            </a:pPr>
-            <a:r>
-              <a:rPr lang="it-IT" sz="4800"/>
-              <a:t>No backpropagation</a:t>
-            </a:r>
-          </a:p>
-          <a:p>
-            <a:pPr marL="685800" indent="-685800">
-              <a:buFont typeface="Arial" panose="020B0604020202020204" pitchFamily="34" charset="0"/>
-              <a:buChar char="•"/>
-            </a:pPr>
-            <a:r>
-              <a:rPr lang="it-IT" sz="4800"/>
-              <a:t>Unsupervised learning</a:t>
-            </a:r>
-          </a:p>
-          <a:p>
-            <a:pPr marL="685800" indent="-685800">
-              <a:buFont typeface="Arial" panose="020B0604020202020204" pitchFamily="34" charset="0"/>
-              <a:buChar char="•"/>
-            </a:pPr>
-            <a:r>
-              <a:rPr lang="it-IT" sz="4800"/>
-              <a:t>Good performance</a:t>
-            </a:r>
-          </a:p>
-        </p:txBody>
-      </p:sp>
-    </p:spTree>
-    <p:extLst>
-      <p:ext uri="{BB962C8B-B14F-4D97-AF65-F5344CB8AC3E}">
-        <p14:creationId xmlns:p14="http://schemas.microsoft.com/office/powerpoint/2010/main" val="2290543620"/>
-      </p:ext>
-    </p:extLst>
-  </p:cSld>
-  <p:clrMapOvr>
-    <a:masterClrMapping/>
-  </p:clrMapOvr>
-</p:sld>
-</file>
-
-<file path=ppt/slides/slide7.xml><?xml version="1.0" encoding="utf-8"?>
-<p:sld xmlns:a="http://schemas.openxmlformats.org/drawingml/2006/main" xmlns:r="http://schemas.openxmlformats.org/officeDocument/2006/relationships" xmlns:p="http://schemas.openxmlformats.org/presentationml/2006/main">
-  <p:cSld>
-    <p:bg>
-      <p:bgPr>
-        <a:solidFill>
-          <a:schemeClr val="bg1"/>
-        </a:solidFill>
-        <a:effectLst/>
-      </p:bgPr>
-    </p:bg>
-    <p:spTree>
-      <p:nvGrpSpPr>
-        <p:cNvPr id="1" name=""/>
-        <p:cNvGrpSpPr/>
-        <p:nvPr/>
-      </p:nvGrpSpPr>
-      <p:grpSpPr>
-        <a:xfrm>
-          <a:off x="0" y="0"/>
-          <a:ext cx="0" cy="0"/>
-          <a:chOff x="0" y="0"/>
-          <a:chExt cx="0" cy="0"/>
-        </a:xfrm>
-      </p:grpSpPr>
-      <p:pic>
-        <p:nvPicPr>
-          <p:cNvPr id="5" name="Immagine 4">
-            <a:extLst>
-              <a:ext uri="{FF2B5EF4-FFF2-40B4-BE49-F238E27FC236}">
-                <a16:creationId xmlns:a16="http://schemas.microsoft.com/office/drawing/2014/main" id="{D994ADEB-D50A-4925-A79A-F02094F7B2BD}"/>
-              </a:ext>
-            </a:extLst>
-          </p:cNvPr>
-          <p:cNvPicPr>
-            <a:picLocks noChangeAspect="1"/>
-          </p:cNvPicPr>
-          <p:nvPr/>
-        </p:nvPicPr>
-        <p:blipFill>
-          <a:blip r:embed="rId3">
-            <a:extLst>
-              <a:ext uri="{28A0092B-C50C-407E-A947-70E740481C1C}">
-                <a14:useLocalDpi xmlns:a14="http://schemas.microsoft.com/office/drawing/2010/main" val="0"/>
-              </a:ext>
-            </a:extLst>
-          </a:blip>
-          <a:stretch>
-            <a:fillRect/>
-          </a:stretch>
-        </p:blipFill>
-        <p:spPr>
-          <a:xfrm>
-            <a:off x="0" y="194094"/>
-            <a:ext cx="12192000" cy="6469811"/>
-          </a:xfrm>
-          <a:prstGeom prst="rect">
-            <a:avLst/>
-          </a:prstGeom>
-        </p:spPr>
-      </p:pic>
-    </p:spTree>
-    <p:extLst>
-      <p:ext uri="{BB962C8B-B14F-4D97-AF65-F5344CB8AC3E}">
-        <p14:creationId xmlns:p14="http://schemas.microsoft.com/office/powerpoint/2010/main" val="239872891"/>
-      </p:ext>
-    </p:extLst>
-  </p:cSld>
-  <p:clrMapOvr>
-    <a:masterClrMapping/>
-  </p:clrMapOvr>
-</p:sld>
-</file>
-
-<file path=ppt/slides/slide8.xml><?xml version="1.0" encoding="utf-8"?>
-<p:sld xmlns:a="http://schemas.openxmlformats.org/drawingml/2006/main" xmlns:r="http://schemas.openxmlformats.org/officeDocument/2006/relationships" xmlns:p="http://schemas.openxmlformats.org/presentationml/2006/main">
-  <p:cSld>
-    <p:bg>
-      <p:bgPr>
-        <a:solidFill>
-          <a:schemeClr val="bg1"/>
-        </a:solidFill>
-        <a:effectLst/>
-      </p:bgPr>
-    </p:bg>
-    <p:spTree>
-      <p:nvGrpSpPr>
-        <p:cNvPr id="1" name=""/>
-        <p:cNvGrpSpPr/>
-        <p:nvPr/>
-      </p:nvGrpSpPr>
-      <p:grpSpPr>
-        <a:xfrm>
-          <a:off x="0" y="0"/>
-          <a:ext cx="0" cy="0"/>
-          <a:chOff x="0" y="0"/>
-          <a:chExt cx="0" cy="0"/>
-        </a:xfrm>
-      </p:grpSpPr>
-      <p:pic>
-        <p:nvPicPr>
-          <p:cNvPr id="6" name="Immagine 5">
-            <a:extLst>
-              <a:ext uri="{FF2B5EF4-FFF2-40B4-BE49-F238E27FC236}">
-                <a16:creationId xmlns:a16="http://schemas.microsoft.com/office/drawing/2014/main" id="{99725D4A-E3BD-4316-B5A2-F856DF4D012C}"/>
-              </a:ext>
-            </a:extLst>
-          </p:cNvPr>
-          <p:cNvPicPr>
-            <a:picLocks noChangeAspect="1"/>
-          </p:cNvPicPr>
-          <p:nvPr/>
-        </p:nvPicPr>
-        <p:blipFill>
-          <a:blip r:embed="rId3">
-            <a:extLst>
-              <a:ext uri="{28A0092B-C50C-407E-A947-70E740481C1C}">
-                <a14:useLocalDpi xmlns:a14="http://schemas.microsoft.com/office/drawing/2010/main" val="0"/>
-              </a:ext>
-            </a:extLst>
-          </a:blip>
-          <a:stretch>
-            <a:fillRect/>
-          </a:stretch>
-        </p:blipFill>
-        <p:spPr>
-          <a:xfrm>
-            <a:off x="0" y="194094"/>
-            <a:ext cx="12192000" cy="6469811"/>
-          </a:xfrm>
-          <a:prstGeom prst="rect">
-            <a:avLst/>
-          </a:prstGeom>
-        </p:spPr>
-      </p:pic>
-    </p:spTree>
-    <p:extLst>
-      <p:ext uri="{BB962C8B-B14F-4D97-AF65-F5344CB8AC3E}">
-        <p14:creationId xmlns:p14="http://schemas.microsoft.com/office/powerpoint/2010/main" val="221018924"/>
-      </p:ext>
-    </p:extLst>
-  </p:cSld>
-  <p:clrMapOvr>
-    <a:masterClrMapping/>
-  </p:clrMapOvr>
-</p:sld>
-</file>
-
-<file path=ppt/slides/slide9.xml><?xml version="1.0" encoding="utf-8"?>
-<p:sld xmlns:a="http://schemas.openxmlformats.org/drawingml/2006/main" xmlns:r="http://schemas.openxmlformats.org/officeDocument/2006/relationships" xmlns:p="http://schemas.openxmlformats.org/presentationml/2006/main">
-  <p:cSld>
-    <p:spTree>
-      <p:nvGrpSpPr>
-        <p:cNvPr id="1" name=""/>
-        <p:cNvGrpSpPr/>
-        <p:nvPr/>
-      </p:nvGrpSpPr>
-      <p:grpSpPr>
-        <a:xfrm>
-          <a:off x="0" y="0"/>
-          <a:ext cx="0" cy="0"/>
-          <a:chOff x="0" y="0"/>
-          <a:chExt cx="0" cy="0"/>
-        </a:xfrm>
-      </p:grpSpPr>
-      <mc:AlternateContent xmlns:mc="http://schemas.openxmlformats.org/markup-compatibility/2006">
-        <mc:Choice xmlns:a14="http://schemas.microsoft.com/office/drawing/2010/main" Requires="a14">
+      <mc:AlternateContent xmlns:mc="http://schemas.openxmlformats.org/markup-compatibility/2006" xmlns:a14="http://schemas.microsoft.com/office/drawing/2010/main">
+        <mc:Choice Requires="a14">
           <p:sp>
             <p:nvSpPr>
               <p:cNvPr id="4" name="CasellaDiTesto 3">
@@ -6291,7 +6177,2307 @@
             </p:txBody>
           </p:sp>
         </mc:Choice>
-        <mc:Fallback>
+        <mc:Fallback xmlns="">
+          <p:sp>
+            <p:nvSpPr>
+              <p:cNvPr id="4" name="CasellaDiTesto 3">
+                <a:extLst>
+                  <a:ext uri="{FF2B5EF4-FFF2-40B4-BE49-F238E27FC236}">
+                    <a16:creationId xmlns:a16="http://schemas.microsoft.com/office/drawing/2014/main" id="{E4753EDB-B05E-451C-8D04-EE4623FB0577}"/>
+                  </a:ext>
+                </a:extLst>
+              </p:cNvPr>
+              <p:cNvSpPr txBox="1">
+                <a:spLocks noRot="1" noChangeAspect="1" noMove="1" noResize="1" noEditPoints="1" noAdjustHandles="1" noChangeArrowheads="1" noChangeShapeType="1" noTextEdit="1"/>
+              </p:cNvSpPr>
+              <p:nvPr/>
+            </p:nvSpPr>
+            <p:spPr>
+              <a:xfrm>
+                <a:off x="-484095" y="1403565"/>
+                <a:ext cx="6580094" cy="897875"/>
+              </a:xfrm>
+              <a:prstGeom prst="rect">
+                <a:avLst/>
+              </a:prstGeom>
+              <a:blipFill>
+                <a:blip r:embed="rId3"/>
+                <a:stretch>
+                  <a:fillRect/>
+                </a:stretch>
+              </a:blipFill>
+            </p:spPr>
+            <p:txBody>
+              <a:bodyPr/>
+              <a:lstStyle/>
+              <a:p>
+                <a:r>
+                  <a:rPr lang="en-GB">
+                    <a:noFill/>
+                  </a:rPr>
+                  <a:t> </a:t>
+                </a:r>
+              </a:p>
+            </p:txBody>
+          </p:sp>
+        </mc:Fallback>
+      </mc:AlternateContent>
+      <p:graphicFrame>
+        <p:nvGraphicFramePr>
+          <p:cNvPr id="3" name="Tabella 4">
+            <a:extLst>
+              <a:ext uri="{FF2B5EF4-FFF2-40B4-BE49-F238E27FC236}">
+                <a16:creationId xmlns:a16="http://schemas.microsoft.com/office/drawing/2014/main" id="{70EC3963-5E2D-4202-987B-DEF9DF9EF3DF}"/>
+              </a:ext>
+            </a:extLst>
+          </p:cNvPr>
+          <p:cNvGraphicFramePr>
+            <a:graphicFrameLocks noGrp="1"/>
+          </p:cNvGraphicFramePr>
+          <p:nvPr/>
+        </p:nvGraphicFramePr>
+        <p:xfrm>
+          <a:off x="2032000" y="4556560"/>
+          <a:ext cx="8127999" cy="1483360"/>
+        </p:xfrm>
+        <a:graphic>
+          <a:graphicData uri="http://schemas.openxmlformats.org/drawingml/2006/table">
+            <a:tbl>
+              <a:tblPr firstRow="1" bandRow="1">
+                <a:tableStyleId>{5C22544A-7EE6-4342-B048-85BDC9FD1C3A}</a:tableStyleId>
+              </a:tblPr>
+              <a:tblGrid>
+                <a:gridCol w="2709333">
+                  <a:extLst>
+                    <a:ext uri="{9D8B030D-6E8A-4147-A177-3AD203B41FA5}">
+                      <a16:colId xmlns:a16="http://schemas.microsoft.com/office/drawing/2014/main" val="192552146"/>
+                    </a:ext>
+                  </a:extLst>
+                </a:gridCol>
+                <a:gridCol w="2709333">
+                  <a:extLst>
+                    <a:ext uri="{9D8B030D-6E8A-4147-A177-3AD203B41FA5}">
+                      <a16:colId xmlns:a16="http://schemas.microsoft.com/office/drawing/2014/main" val="319818087"/>
+                    </a:ext>
+                  </a:extLst>
+                </a:gridCol>
+                <a:gridCol w="2709333">
+                  <a:extLst>
+                    <a:ext uri="{9D8B030D-6E8A-4147-A177-3AD203B41FA5}">
+                      <a16:colId xmlns:a16="http://schemas.microsoft.com/office/drawing/2014/main" val="48408714"/>
+                    </a:ext>
+                  </a:extLst>
+                </a:gridCol>
+              </a:tblGrid>
+              <a:tr h="370840">
+                <a:tc>
+                  <a:txBody>
+                    <a:bodyPr/>
+                    <a:lstStyle/>
+                    <a:p>
+                      <a:r>
+                        <a:rPr lang="it-IT"/>
+                        <a:t>Rank of h</a:t>
+                      </a:r>
+                      <a:endParaRPr lang="en-GB"/>
+                    </a:p>
+                  </a:txBody>
+                  <a:tcPr/>
+                </a:tc>
+                <a:tc>
+                  <a:txBody>
+                    <a:bodyPr/>
+                    <a:lstStyle/>
+                    <a:p>
+                      <a:r>
+                        <a:rPr lang="it-IT"/>
+                        <a:t>Value of g(h)</a:t>
+                      </a:r>
+                      <a:endParaRPr lang="en-GB"/>
+                    </a:p>
+                  </a:txBody>
+                  <a:tcPr/>
+                </a:tc>
+                <a:tc>
+                  <a:txBody>
+                    <a:bodyPr/>
+                    <a:lstStyle/>
+                    <a:p>
+                      <a:r>
+                        <a:rPr lang="it-IT"/>
+                        <a:t>Sign of d</a:t>
+                      </a:r>
+                      <a:endParaRPr lang="en-GB"/>
+                    </a:p>
+                  </a:txBody>
+                  <a:tcPr/>
+                </a:tc>
+                <a:extLst>
+                  <a:ext uri="{0D108BD9-81ED-4DB2-BD59-A6C34878D82A}">
+                    <a16:rowId xmlns:a16="http://schemas.microsoft.com/office/drawing/2014/main" val="208199126"/>
+                  </a:ext>
+                </a:extLst>
+              </a:tr>
+              <a:tr h="370840">
+                <a:tc>
+                  <a:txBody>
+                    <a:bodyPr/>
+                    <a:lstStyle/>
+                    <a:p>
+                      <a:r>
+                        <a:rPr lang="it-IT"/>
+                        <a:t>First</a:t>
+                      </a:r>
+                      <a:endParaRPr lang="en-GB"/>
+                    </a:p>
+                  </a:txBody>
+                  <a:tcPr/>
+                </a:tc>
+                <a:tc>
+                  <a:txBody>
+                    <a:bodyPr/>
+                    <a:lstStyle/>
+                    <a:p>
+                      <a:r>
+                        <a:rPr lang="it-IT"/>
+                        <a:t>1</a:t>
+                      </a:r>
+                      <a:endParaRPr lang="en-GB"/>
+                    </a:p>
+                  </a:txBody>
+                  <a:tcPr/>
+                </a:tc>
+                <a:tc>
+                  <a:txBody>
+                    <a:bodyPr/>
+                    <a:lstStyle/>
+                    <a:p>
+                      <a:r>
+                        <a:rPr lang="it-IT"/>
+                        <a:t>Positive</a:t>
+                      </a:r>
+                      <a:endParaRPr lang="en-GB"/>
+                    </a:p>
+                  </a:txBody>
+                  <a:tcPr/>
+                </a:tc>
+                <a:extLst>
+                  <a:ext uri="{0D108BD9-81ED-4DB2-BD59-A6C34878D82A}">
+                    <a16:rowId xmlns:a16="http://schemas.microsoft.com/office/drawing/2014/main" val="3608702867"/>
+                  </a:ext>
+                </a:extLst>
+              </a:tr>
+              <a:tr h="370840">
+                <a:tc>
+                  <a:txBody>
+                    <a:bodyPr/>
+                    <a:lstStyle/>
+                    <a:p>
+                      <a:r>
+                        <a:rPr lang="it-IT"/>
+                        <a:t>Second</a:t>
+                      </a:r>
+                      <a:endParaRPr lang="en-GB"/>
+                    </a:p>
+                  </a:txBody>
+                  <a:tcPr/>
+                </a:tc>
+                <a:tc>
+                  <a:txBody>
+                    <a:bodyPr/>
+                    <a:lstStyle/>
+                    <a:p>
+                      <a:r>
+                        <a:rPr lang="it-IT"/>
+                        <a:t>-0.4</a:t>
+                      </a:r>
+                      <a:endParaRPr lang="en-GB"/>
+                    </a:p>
+                  </a:txBody>
+                  <a:tcPr/>
+                </a:tc>
+                <a:tc>
+                  <a:txBody>
+                    <a:bodyPr/>
+                    <a:lstStyle/>
+                    <a:p>
+                      <a:r>
+                        <a:rPr lang="it-IT"/>
+                        <a:t>Negative</a:t>
+                      </a:r>
+                      <a:endParaRPr lang="en-GB"/>
+                    </a:p>
+                  </a:txBody>
+                  <a:tcPr/>
+                </a:tc>
+                <a:extLst>
+                  <a:ext uri="{0D108BD9-81ED-4DB2-BD59-A6C34878D82A}">
+                    <a16:rowId xmlns:a16="http://schemas.microsoft.com/office/drawing/2014/main" val="3732485149"/>
+                  </a:ext>
+                </a:extLst>
+              </a:tr>
+              <a:tr h="370840">
+                <a:tc>
+                  <a:txBody>
+                    <a:bodyPr/>
+                    <a:lstStyle/>
+                    <a:p>
+                      <a:r>
+                        <a:rPr lang="it-IT"/>
+                        <a:t>Other</a:t>
+                      </a:r>
+                      <a:endParaRPr lang="en-GB"/>
+                    </a:p>
+                  </a:txBody>
+                  <a:tcPr/>
+                </a:tc>
+                <a:tc>
+                  <a:txBody>
+                    <a:bodyPr/>
+                    <a:lstStyle/>
+                    <a:p>
+                      <a:r>
+                        <a:rPr lang="it-IT"/>
+                        <a:t>0</a:t>
+                      </a:r>
+                      <a:endParaRPr lang="en-GB"/>
+                    </a:p>
+                  </a:txBody>
+                  <a:tcPr/>
+                </a:tc>
+                <a:tc>
+                  <a:txBody>
+                    <a:bodyPr/>
+                    <a:lstStyle/>
+                    <a:p>
+                      <a:r>
+                        <a:rPr lang="it-IT"/>
+                        <a:t>Null</a:t>
+                      </a:r>
+                      <a:endParaRPr lang="en-GB"/>
+                    </a:p>
+                  </a:txBody>
+                  <a:tcPr/>
+                </a:tc>
+                <a:extLst>
+                  <a:ext uri="{0D108BD9-81ED-4DB2-BD59-A6C34878D82A}">
+                    <a16:rowId xmlns:a16="http://schemas.microsoft.com/office/drawing/2014/main" val="407299635"/>
+                  </a:ext>
+                </a:extLst>
+              </a:tr>
+            </a:tbl>
+          </a:graphicData>
+        </a:graphic>
+      </p:graphicFrame>
+      <p:sp>
+        <p:nvSpPr>
+          <p:cNvPr id="5" name="CasellaDiTesto 4">
+            <a:extLst>
+              <a:ext uri="{FF2B5EF4-FFF2-40B4-BE49-F238E27FC236}">
+                <a16:creationId xmlns:a16="http://schemas.microsoft.com/office/drawing/2014/main" id="{B1FAA46F-4265-4792-97A4-8C2D9FAEACB8}"/>
+              </a:ext>
+            </a:extLst>
+          </p:cNvPr>
+          <p:cNvSpPr txBox="1"/>
+          <p:nvPr/>
+        </p:nvSpPr>
+        <p:spPr>
+          <a:xfrm>
+            <a:off x="7028329" y="770965"/>
+            <a:ext cx="4697506" cy="3539430"/>
+          </a:xfrm>
+          <a:prstGeom prst="rect">
+            <a:avLst/>
+          </a:prstGeom>
+          <a:noFill/>
+        </p:spPr>
+        <p:txBody>
+          <a:bodyPr wrap="square" rtlCol="0">
+            <a:spAutoFit/>
+          </a:bodyPr>
+          <a:lstStyle/>
+          <a:p>
+            <a:pPr marL="685800" indent="-685800">
+              <a:buFont typeface="Arial" panose="020B0604020202020204" pitchFamily="34" charset="0"/>
+              <a:buChar char="•"/>
+            </a:pPr>
+            <a:r>
+              <a:rPr lang="it-IT" sz="3200"/>
+              <a:t>The most active neuron’s synapses are reinforced</a:t>
+            </a:r>
+          </a:p>
+          <a:p>
+            <a:pPr marL="685800" indent="-685800">
+              <a:buFont typeface="Arial" panose="020B0604020202020204" pitchFamily="34" charset="0"/>
+              <a:buChar char="•"/>
+            </a:pPr>
+            <a:r>
+              <a:rPr lang="it-IT" sz="3200"/>
+              <a:t>The second most active neuron’s synapses are weakened</a:t>
+            </a:r>
+            <a:endParaRPr lang="en-GB" sz="3200"/>
+          </a:p>
+        </p:txBody>
+      </p:sp>
+    </p:spTree>
+    <p:extLst>
+      <p:ext uri="{BB962C8B-B14F-4D97-AF65-F5344CB8AC3E}">
+        <p14:creationId xmlns:p14="http://schemas.microsoft.com/office/powerpoint/2010/main" val="2997973829"/>
+      </p:ext>
+    </p:extLst>
+  </p:cSld>
+  <p:clrMapOvr>
+    <a:masterClrMapping/>
+  </p:clrMapOvr>
+</p:sld>
+</file>
+
+<file path=ppt/slides/slide12.xml><?xml version="1.0" encoding="utf-8"?>
+<p:sld xmlns:a="http://schemas.openxmlformats.org/drawingml/2006/main" xmlns:r="http://schemas.openxmlformats.org/officeDocument/2006/relationships" xmlns:p="http://schemas.openxmlformats.org/presentationml/2006/main">
+  <p:cSld>
+    <p:spTree>
+      <p:nvGrpSpPr>
+        <p:cNvPr id="1" name=""/>
+        <p:cNvGrpSpPr/>
+        <p:nvPr/>
+      </p:nvGrpSpPr>
+      <p:grpSpPr>
+        <a:xfrm>
+          <a:off x="0" y="0"/>
+          <a:ext cx="0" cy="0"/>
+          <a:chOff x="0" y="0"/>
+          <a:chExt cx="0" cy="0"/>
+        </a:xfrm>
+      </p:grpSpPr>
+      <p:pic>
+        <p:nvPicPr>
+          <p:cNvPr id="9" name="Immagine 8" descr="Immagine che contiene testo&#10;&#10;Descrizione generata automaticamente">
+            <a:extLst>
+              <a:ext uri="{FF2B5EF4-FFF2-40B4-BE49-F238E27FC236}">
+                <a16:creationId xmlns:a16="http://schemas.microsoft.com/office/drawing/2014/main" id="{48884B22-5B5D-4F57-A6B7-4FFD3EB98BDF}"/>
+              </a:ext>
+            </a:extLst>
+          </p:cNvPr>
+          <p:cNvPicPr>
+            <a:picLocks noChangeAspect="1"/>
+          </p:cNvPicPr>
+          <p:nvPr/>
+        </p:nvPicPr>
+        <p:blipFill>
+          <a:blip r:embed="rId3">
+            <a:extLst>
+              <a:ext uri="{28A0092B-C50C-407E-A947-70E740481C1C}">
+                <a14:useLocalDpi xmlns:a14="http://schemas.microsoft.com/office/drawing/2010/main" val="0"/>
+              </a:ext>
+            </a:extLst>
+          </a:blip>
+          <a:stretch>
+            <a:fillRect/>
+          </a:stretch>
+        </p:blipFill>
+        <p:spPr>
+          <a:xfrm>
+            <a:off x="3137647" y="934122"/>
+            <a:ext cx="5916706" cy="4989756"/>
+          </a:xfrm>
+          <a:prstGeom prst="rect">
+            <a:avLst/>
+          </a:prstGeom>
+        </p:spPr>
+      </p:pic>
+    </p:spTree>
+    <p:extLst>
+      <p:ext uri="{BB962C8B-B14F-4D97-AF65-F5344CB8AC3E}">
+        <p14:creationId xmlns:p14="http://schemas.microsoft.com/office/powerpoint/2010/main" val="548143164"/>
+      </p:ext>
+    </p:extLst>
+  </p:cSld>
+  <p:clrMapOvr>
+    <a:masterClrMapping/>
+  </p:clrMapOvr>
+</p:sld>
+</file>
+
+<file path=ppt/slides/slide13.xml><?xml version="1.0" encoding="utf-8"?>
+<p:sld xmlns:a="http://schemas.openxmlformats.org/drawingml/2006/main" xmlns:r="http://schemas.openxmlformats.org/officeDocument/2006/relationships" xmlns:p="http://schemas.openxmlformats.org/presentationml/2006/main">
+  <p:cSld>
+    <p:spTree>
+      <p:nvGrpSpPr>
+        <p:cNvPr id="1" name=""/>
+        <p:cNvGrpSpPr/>
+        <p:nvPr/>
+      </p:nvGrpSpPr>
+      <p:grpSpPr>
+        <a:xfrm>
+          <a:off x="0" y="0"/>
+          <a:ext cx="0" cy="0"/>
+          <a:chOff x="0" y="0"/>
+          <a:chExt cx="0" cy="0"/>
+        </a:xfrm>
+      </p:grpSpPr>
+      <p:pic>
+        <p:nvPicPr>
+          <p:cNvPr id="3" name="Immagine 2">
+            <a:extLst>
+              <a:ext uri="{FF2B5EF4-FFF2-40B4-BE49-F238E27FC236}">
+                <a16:creationId xmlns:a16="http://schemas.microsoft.com/office/drawing/2014/main" id="{2D3C6124-6CF9-4368-A051-FCBFFD6FFA0C}"/>
+              </a:ext>
+            </a:extLst>
+          </p:cNvPr>
+          <p:cNvPicPr>
+            <a:picLocks noChangeAspect="1"/>
+          </p:cNvPicPr>
+          <p:nvPr/>
+        </p:nvPicPr>
+        <p:blipFill>
+          <a:blip r:embed="rId3">
+            <a:extLst>
+              <a:ext uri="{28A0092B-C50C-407E-A947-70E740481C1C}">
+                <a14:useLocalDpi xmlns:a14="http://schemas.microsoft.com/office/drawing/2010/main" val="0"/>
+              </a:ext>
+            </a:extLst>
+          </a:blip>
+          <a:stretch>
+            <a:fillRect/>
+          </a:stretch>
+        </p:blipFill>
+        <p:spPr>
+          <a:xfrm>
+            <a:off x="3048000" y="858163"/>
+            <a:ext cx="6096000" cy="5141674"/>
+          </a:xfrm>
+          <a:prstGeom prst="rect">
+            <a:avLst/>
+          </a:prstGeom>
+        </p:spPr>
+      </p:pic>
+    </p:spTree>
+    <p:extLst>
+      <p:ext uri="{BB962C8B-B14F-4D97-AF65-F5344CB8AC3E}">
+        <p14:creationId xmlns:p14="http://schemas.microsoft.com/office/powerpoint/2010/main" val="961338265"/>
+      </p:ext>
+    </p:extLst>
+  </p:cSld>
+  <p:clrMapOvr>
+    <a:masterClrMapping/>
+  </p:clrMapOvr>
+</p:sld>
+</file>
+
+<file path=ppt/slides/slide14.xml><?xml version="1.0" encoding="utf-8"?>
+<p:sld xmlns:a="http://schemas.openxmlformats.org/drawingml/2006/main" xmlns:r="http://schemas.openxmlformats.org/officeDocument/2006/relationships" xmlns:p="http://schemas.openxmlformats.org/presentationml/2006/main">
+  <p:cSld>
+    <p:spTree>
+      <p:nvGrpSpPr>
+        <p:cNvPr id="1" name=""/>
+        <p:cNvGrpSpPr/>
+        <p:nvPr/>
+      </p:nvGrpSpPr>
+      <p:grpSpPr>
+        <a:xfrm>
+          <a:off x="0" y="0"/>
+          <a:ext cx="0" cy="0"/>
+          <a:chOff x="0" y="0"/>
+          <a:chExt cx="0" cy="0"/>
+        </a:xfrm>
+      </p:grpSpPr>
+      <p:pic>
+        <p:nvPicPr>
+          <p:cNvPr id="3" name="Immagine 2">
+            <a:extLst>
+              <a:ext uri="{FF2B5EF4-FFF2-40B4-BE49-F238E27FC236}">
+                <a16:creationId xmlns:a16="http://schemas.microsoft.com/office/drawing/2014/main" id="{F77ADF2E-74EE-4609-89B6-E6F31191B3BC}"/>
+              </a:ext>
+            </a:extLst>
+          </p:cNvPr>
+          <p:cNvPicPr>
+            <a:picLocks noChangeAspect="1"/>
+          </p:cNvPicPr>
+          <p:nvPr/>
+        </p:nvPicPr>
+        <p:blipFill>
+          <a:blip r:embed="rId2"/>
+          <a:stretch>
+            <a:fillRect/>
+          </a:stretch>
+        </p:blipFill>
+        <p:spPr>
+          <a:xfrm>
+            <a:off x="3044779" y="860404"/>
+            <a:ext cx="6102441" cy="5137192"/>
+          </a:xfrm>
+          <a:prstGeom prst="rect">
+            <a:avLst/>
+          </a:prstGeom>
+        </p:spPr>
+      </p:pic>
+    </p:spTree>
+    <p:extLst>
+      <p:ext uri="{BB962C8B-B14F-4D97-AF65-F5344CB8AC3E}">
+        <p14:creationId xmlns:p14="http://schemas.microsoft.com/office/powerpoint/2010/main" val="2691161588"/>
+      </p:ext>
+    </p:extLst>
+  </p:cSld>
+  <p:clrMapOvr>
+    <a:masterClrMapping/>
+  </p:clrMapOvr>
+</p:sld>
+</file>
+
+<file path=ppt/slides/slide15.xml><?xml version="1.0" encoding="utf-8"?>
+<p:sld xmlns:a="http://schemas.openxmlformats.org/drawingml/2006/main" xmlns:r="http://schemas.openxmlformats.org/officeDocument/2006/relationships" xmlns:p="http://schemas.openxmlformats.org/presentationml/2006/main">
+  <p:cSld>
+    <p:spTree>
+      <p:nvGrpSpPr>
+        <p:cNvPr id="1" name=""/>
+        <p:cNvGrpSpPr/>
+        <p:nvPr/>
+      </p:nvGrpSpPr>
+      <p:grpSpPr>
+        <a:xfrm>
+          <a:off x="0" y="0"/>
+          <a:ext cx="0" cy="0"/>
+          <a:chOff x="0" y="0"/>
+          <a:chExt cx="0" cy="0"/>
+        </a:xfrm>
+      </p:grpSpPr>
+      <p:pic>
+        <p:nvPicPr>
+          <p:cNvPr id="4" name="Immagine 3">
+            <a:extLst>
+              <a:ext uri="{FF2B5EF4-FFF2-40B4-BE49-F238E27FC236}">
+                <a16:creationId xmlns:a16="http://schemas.microsoft.com/office/drawing/2014/main" id="{F4948DEA-60CA-4198-A39C-C09B1E927652}"/>
+              </a:ext>
+            </a:extLst>
+          </p:cNvPr>
+          <p:cNvPicPr>
+            <a:picLocks noChangeAspect="1"/>
+          </p:cNvPicPr>
+          <p:nvPr/>
+        </p:nvPicPr>
+        <p:blipFill>
+          <a:blip r:embed="rId2">
+            <a:extLst>
+              <a:ext uri="{28A0092B-C50C-407E-A947-70E740481C1C}">
+                <a14:useLocalDpi xmlns:a14="http://schemas.microsoft.com/office/drawing/2010/main" val="0"/>
+              </a:ext>
+            </a:extLst>
+          </a:blip>
+          <a:stretch>
+            <a:fillRect/>
+          </a:stretch>
+        </p:blipFill>
+        <p:spPr>
+          <a:xfrm>
+            <a:off x="3044779" y="860403"/>
+            <a:ext cx="6102441" cy="5098241"/>
+          </a:xfrm>
+          <a:prstGeom prst="rect">
+            <a:avLst/>
+          </a:prstGeom>
+        </p:spPr>
+      </p:pic>
+    </p:spTree>
+    <p:extLst>
+      <p:ext uri="{BB962C8B-B14F-4D97-AF65-F5344CB8AC3E}">
+        <p14:creationId xmlns:p14="http://schemas.microsoft.com/office/powerpoint/2010/main" val="246597763"/>
+      </p:ext>
+    </p:extLst>
+  </p:cSld>
+  <p:clrMapOvr>
+    <a:masterClrMapping/>
+  </p:clrMapOvr>
+</p:sld>
+</file>
+
+<file path=ppt/slides/slide16.xml><?xml version="1.0" encoding="utf-8"?>
+<p:sld xmlns:a="http://schemas.openxmlformats.org/drawingml/2006/main" xmlns:r="http://schemas.openxmlformats.org/officeDocument/2006/relationships" xmlns:p="http://schemas.openxmlformats.org/presentationml/2006/main">
+  <p:cSld>
+    <p:spTree>
+      <p:nvGrpSpPr>
+        <p:cNvPr id="1" name=""/>
+        <p:cNvGrpSpPr/>
+        <p:nvPr/>
+      </p:nvGrpSpPr>
+      <p:grpSpPr>
+        <a:xfrm>
+          <a:off x="0" y="0"/>
+          <a:ext cx="0" cy="0"/>
+          <a:chOff x="0" y="0"/>
+          <a:chExt cx="0" cy="0"/>
+        </a:xfrm>
+      </p:grpSpPr>
+      <p:pic>
+        <p:nvPicPr>
+          <p:cNvPr id="2" name="Immagine 1">
+            <a:extLst>
+              <a:ext uri="{FF2B5EF4-FFF2-40B4-BE49-F238E27FC236}">
+                <a16:creationId xmlns:a16="http://schemas.microsoft.com/office/drawing/2014/main" id="{4D7222A8-BDE2-4EDA-9A11-BBCFF65953D3}"/>
+              </a:ext>
+            </a:extLst>
+          </p:cNvPr>
+          <p:cNvPicPr>
+            <a:picLocks noChangeAspect="1"/>
+          </p:cNvPicPr>
+          <p:nvPr/>
+        </p:nvPicPr>
+        <p:blipFill>
+          <a:blip r:embed="rId3">
+            <a:extLst>
+              <a:ext uri="{28A0092B-C50C-407E-A947-70E740481C1C}">
+                <a14:useLocalDpi xmlns:a14="http://schemas.microsoft.com/office/drawing/2010/main" val="0"/>
+              </a:ext>
+            </a:extLst>
+          </a:blip>
+          <a:stretch>
+            <a:fillRect/>
+          </a:stretch>
+        </p:blipFill>
+        <p:spPr>
+          <a:xfrm>
+            <a:off x="3044779" y="879879"/>
+            <a:ext cx="6102441" cy="5098241"/>
+          </a:xfrm>
+          <a:prstGeom prst="rect">
+            <a:avLst/>
+          </a:prstGeom>
+        </p:spPr>
+      </p:pic>
+    </p:spTree>
+    <p:extLst>
+      <p:ext uri="{BB962C8B-B14F-4D97-AF65-F5344CB8AC3E}">
+        <p14:creationId xmlns:p14="http://schemas.microsoft.com/office/powerpoint/2010/main" val="2588232327"/>
+      </p:ext>
+    </p:extLst>
+  </p:cSld>
+  <p:clrMapOvr>
+    <a:masterClrMapping/>
+  </p:clrMapOvr>
+</p:sld>
+</file>
+
+<file path=ppt/slides/slide17.xml><?xml version="1.0" encoding="utf-8"?>
+<p:sld xmlns:a="http://schemas.openxmlformats.org/drawingml/2006/main" xmlns:r="http://schemas.openxmlformats.org/officeDocument/2006/relationships" xmlns:p="http://schemas.openxmlformats.org/presentationml/2006/main">
+  <p:cSld>
+    <p:spTree>
+      <p:nvGrpSpPr>
+        <p:cNvPr id="1" name=""/>
+        <p:cNvGrpSpPr/>
+        <p:nvPr/>
+      </p:nvGrpSpPr>
+      <p:grpSpPr>
+        <a:xfrm>
+          <a:off x="0" y="0"/>
+          <a:ext cx="0" cy="0"/>
+          <a:chOff x="0" y="0"/>
+          <a:chExt cx="0" cy="0"/>
+        </a:xfrm>
+      </p:grpSpPr>
+      <p:pic>
+        <p:nvPicPr>
+          <p:cNvPr id="9" name="Immagine 8" descr="Immagine che contiene testo, interni, elettronico, persona&#10;&#10;Descrizione generata automaticamente">
+            <a:extLst>
+              <a:ext uri="{FF2B5EF4-FFF2-40B4-BE49-F238E27FC236}">
+                <a16:creationId xmlns:a16="http://schemas.microsoft.com/office/drawing/2014/main" id="{0B3BE9D7-551F-49DB-9128-2562F3F05681}"/>
+              </a:ext>
+            </a:extLst>
+          </p:cNvPr>
+          <p:cNvPicPr>
+            <a:picLocks noChangeAspect="1"/>
+          </p:cNvPicPr>
+          <p:nvPr/>
+        </p:nvPicPr>
+        <p:blipFill>
+          <a:blip r:embed="rId3">
+            <a:extLst>
+              <a:ext uri="{28A0092B-C50C-407E-A947-70E740481C1C}">
+                <a14:useLocalDpi xmlns:a14="http://schemas.microsoft.com/office/drawing/2010/main" val="0"/>
+              </a:ext>
+            </a:extLst>
+          </a:blip>
+          <a:stretch>
+            <a:fillRect/>
+          </a:stretch>
+        </p:blipFill>
+        <p:spPr>
+          <a:xfrm>
+            <a:off x="654838" y="1100227"/>
+            <a:ext cx="5441161" cy="4657545"/>
+          </a:xfrm>
+          <a:prstGeom prst="rect">
+            <a:avLst/>
+          </a:prstGeom>
+        </p:spPr>
+      </p:pic>
+    </p:spTree>
+    <p:extLst>
+      <p:ext uri="{BB962C8B-B14F-4D97-AF65-F5344CB8AC3E}">
+        <p14:creationId xmlns:p14="http://schemas.microsoft.com/office/powerpoint/2010/main" val="2307146343"/>
+      </p:ext>
+    </p:extLst>
+  </p:cSld>
+  <p:clrMapOvr>
+    <a:masterClrMapping/>
+  </p:clrMapOvr>
+</p:sld>
+</file>
+
+<file path=ppt/slides/slide18.xml><?xml version="1.0" encoding="utf-8"?>
+<p:sld xmlns:a="http://schemas.openxmlformats.org/drawingml/2006/main" xmlns:r="http://schemas.openxmlformats.org/officeDocument/2006/relationships" xmlns:p="http://schemas.openxmlformats.org/presentationml/2006/main">
+  <p:cSld>
+    <p:spTree>
+      <p:nvGrpSpPr>
+        <p:cNvPr id="1" name=""/>
+        <p:cNvGrpSpPr/>
+        <p:nvPr/>
+      </p:nvGrpSpPr>
+      <p:grpSpPr>
+        <a:xfrm>
+          <a:off x="0" y="0"/>
+          <a:ext cx="0" cy="0"/>
+          <a:chOff x="0" y="0"/>
+          <a:chExt cx="0" cy="0"/>
+        </a:xfrm>
+      </p:grpSpPr>
+      <p:pic>
+        <p:nvPicPr>
+          <p:cNvPr id="9" name="Immagine 8" descr="Immagine che contiene testo, interni, elettronico, persona&#10;&#10;Descrizione generata automaticamente">
+            <a:extLst>
+              <a:ext uri="{FF2B5EF4-FFF2-40B4-BE49-F238E27FC236}">
+                <a16:creationId xmlns:a16="http://schemas.microsoft.com/office/drawing/2014/main" id="{0B3BE9D7-551F-49DB-9128-2562F3F05681}"/>
+              </a:ext>
+            </a:extLst>
+          </p:cNvPr>
+          <p:cNvPicPr>
+            <a:picLocks noChangeAspect="1"/>
+          </p:cNvPicPr>
+          <p:nvPr/>
+        </p:nvPicPr>
+        <p:blipFill>
+          <a:blip r:embed="rId3">
+            <a:extLst>
+              <a:ext uri="{28A0092B-C50C-407E-A947-70E740481C1C}">
+                <a14:useLocalDpi xmlns:a14="http://schemas.microsoft.com/office/drawing/2010/main" val="0"/>
+              </a:ext>
+            </a:extLst>
+          </a:blip>
+          <a:stretch>
+            <a:fillRect/>
+          </a:stretch>
+        </p:blipFill>
+        <p:spPr>
+          <a:xfrm>
+            <a:off x="654838" y="1100227"/>
+            <a:ext cx="5441161" cy="4657545"/>
+          </a:xfrm>
+          <a:prstGeom prst="rect">
+            <a:avLst/>
+          </a:prstGeom>
+        </p:spPr>
+      </p:pic>
+      <p:graphicFrame>
+        <p:nvGraphicFramePr>
+          <p:cNvPr id="3" name="Tabella 4">
+            <a:extLst>
+              <a:ext uri="{FF2B5EF4-FFF2-40B4-BE49-F238E27FC236}">
+                <a16:creationId xmlns:a16="http://schemas.microsoft.com/office/drawing/2014/main" id="{8ACE330C-EE84-4C0B-ADF8-C9A19BDB9ABA}"/>
+              </a:ext>
+            </a:extLst>
+          </p:cNvPr>
+          <p:cNvGraphicFramePr>
+            <a:graphicFrameLocks noGrp="1"/>
+          </p:cNvGraphicFramePr>
+          <p:nvPr>
+            <p:extLst>
+              <p:ext uri="{D42A27DB-BD31-4B8C-83A1-F6EECF244321}">
+                <p14:modId xmlns:p14="http://schemas.microsoft.com/office/powerpoint/2010/main" val="3596216907"/>
+              </p:ext>
+            </p:extLst>
+          </p:nvPr>
+        </p:nvGraphicFramePr>
+        <p:xfrm>
+          <a:off x="6594623" y="2687319"/>
+          <a:ext cx="4942539" cy="1483360"/>
+        </p:xfrm>
+        <a:graphic>
+          <a:graphicData uri="http://schemas.openxmlformats.org/drawingml/2006/table">
+            <a:tbl>
+              <a:tblPr firstRow="1" bandRow="1">
+                <a:tableStyleId>{5C22544A-7EE6-4342-B048-85BDC9FD1C3A}</a:tableStyleId>
+              </a:tblPr>
+              <a:tblGrid>
+                <a:gridCol w="1647513">
+                  <a:extLst>
+                    <a:ext uri="{9D8B030D-6E8A-4147-A177-3AD203B41FA5}">
+                      <a16:colId xmlns:a16="http://schemas.microsoft.com/office/drawing/2014/main" val="192552146"/>
+                    </a:ext>
+                  </a:extLst>
+                </a:gridCol>
+                <a:gridCol w="1647513">
+                  <a:extLst>
+                    <a:ext uri="{9D8B030D-6E8A-4147-A177-3AD203B41FA5}">
+                      <a16:colId xmlns:a16="http://schemas.microsoft.com/office/drawing/2014/main" val="319818087"/>
+                    </a:ext>
+                  </a:extLst>
+                </a:gridCol>
+                <a:gridCol w="1647513">
+                  <a:extLst>
+                    <a:ext uri="{9D8B030D-6E8A-4147-A177-3AD203B41FA5}">
+                      <a16:colId xmlns:a16="http://schemas.microsoft.com/office/drawing/2014/main" val="48408714"/>
+                    </a:ext>
+                  </a:extLst>
+                </a:gridCol>
+              </a:tblGrid>
+              <a:tr h="370840">
+                <a:tc>
+                  <a:txBody>
+                    <a:bodyPr/>
+                    <a:lstStyle/>
+                    <a:p>
+                      <a:r>
+                        <a:rPr lang="it-IT"/>
+                        <a:t>Rank of h</a:t>
+                      </a:r>
+                      <a:endParaRPr lang="en-GB"/>
+                    </a:p>
+                  </a:txBody>
+                  <a:tcPr/>
+                </a:tc>
+                <a:tc>
+                  <a:txBody>
+                    <a:bodyPr/>
+                    <a:lstStyle/>
+                    <a:p>
+                      <a:r>
+                        <a:rPr lang="it-IT"/>
+                        <a:t>Value of g(h)</a:t>
+                      </a:r>
+                      <a:endParaRPr lang="en-GB"/>
+                    </a:p>
+                  </a:txBody>
+                  <a:tcPr/>
+                </a:tc>
+                <a:tc>
+                  <a:txBody>
+                    <a:bodyPr/>
+                    <a:lstStyle/>
+                    <a:p>
+                      <a:r>
+                        <a:rPr lang="it-IT"/>
+                        <a:t>Sign of d</a:t>
+                      </a:r>
+                      <a:endParaRPr lang="en-GB"/>
+                    </a:p>
+                  </a:txBody>
+                  <a:tcPr/>
+                </a:tc>
+                <a:extLst>
+                  <a:ext uri="{0D108BD9-81ED-4DB2-BD59-A6C34878D82A}">
+                    <a16:rowId xmlns:a16="http://schemas.microsoft.com/office/drawing/2014/main" val="208199126"/>
+                  </a:ext>
+                </a:extLst>
+              </a:tr>
+              <a:tr h="370840">
+                <a:tc>
+                  <a:txBody>
+                    <a:bodyPr/>
+                    <a:lstStyle/>
+                    <a:p>
+                      <a:r>
+                        <a:rPr lang="it-IT"/>
+                        <a:t>First</a:t>
+                      </a:r>
+                      <a:endParaRPr lang="en-GB"/>
+                    </a:p>
+                  </a:txBody>
+                  <a:tcPr/>
+                </a:tc>
+                <a:tc>
+                  <a:txBody>
+                    <a:bodyPr/>
+                    <a:lstStyle/>
+                    <a:p>
+                      <a:r>
+                        <a:rPr lang="it-IT"/>
+                        <a:t>1</a:t>
+                      </a:r>
+                      <a:endParaRPr lang="en-GB"/>
+                    </a:p>
+                  </a:txBody>
+                  <a:tcPr/>
+                </a:tc>
+                <a:tc>
+                  <a:txBody>
+                    <a:bodyPr/>
+                    <a:lstStyle/>
+                    <a:p>
+                      <a:r>
+                        <a:rPr lang="it-IT"/>
+                        <a:t>Positive</a:t>
+                      </a:r>
+                      <a:endParaRPr lang="en-GB"/>
+                    </a:p>
+                  </a:txBody>
+                  <a:tcPr/>
+                </a:tc>
+                <a:extLst>
+                  <a:ext uri="{0D108BD9-81ED-4DB2-BD59-A6C34878D82A}">
+                    <a16:rowId xmlns:a16="http://schemas.microsoft.com/office/drawing/2014/main" val="3608702867"/>
+                  </a:ext>
+                </a:extLst>
+              </a:tr>
+              <a:tr h="370840">
+                <a:tc>
+                  <a:txBody>
+                    <a:bodyPr/>
+                    <a:lstStyle/>
+                    <a:p>
+                      <a:r>
+                        <a:rPr lang="it-IT"/>
+                        <a:t>Second</a:t>
+                      </a:r>
+                      <a:endParaRPr lang="en-GB"/>
+                    </a:p>
+                  </a:txBody>
+                  <a:tcPr/>
+                </a:tc>
+                <a:tc>
+                  <a:txBody>
+                    <a:bodyPr/>
+                    <a:lstStyle/>
+                    <a:p>
+                      <a:r>
+                        <a:rPr lang="it-IT" strike="sngStrike"/>
+                        <a:t>-0.4 </a:t>
+                      </a:r>
+                      <a:r>
+                        <a:rPr lang="it-IT" strike="noStrike"/>
+                        <a:t>  0</a:t>
+                      </a:r>
+                      <a:endParaRPr lang="en-GB" strike="noStrike"/>
+                    </a:p>
+                  </a:txBody>
+                  <a:tcPr/>
+                </a:tc>
+                <a:tc>
+                  <a:txBody>
+                    <a:bodyPr/>
+                    <a:lstStyle/>
+                    <a:p>
+                      <a:r>
+                        <a:rPr lang="it-IT" strike="sngStrike"/>
+                        <a:t>Negative </a:t>
+                      </a:r>
+                      <a:r>
+                        <a:rPr lang="it-IT" strike="noStrike"/>
+                        <a:t>Null</a:t>
+                      </a:r>
+                      <a:endParaRPr lang="en-GB" strike="noStrike"/>
+                    </a:p>
+                  </a:txBody>
+                  <a:tcPr/>
+                </a:tc>
+                <a:extLst>
+                  <a:ext uri="{0D108BD9-81ED-4DB2-BD59-A6C34878D82A}">
+                    <a16:rowId xmlns:a16="http://schemas.microsoft.com/office/drawing/2014/main" val="3732485149"/>
+                  </a:ext>
+                </a:extLst>
+              </a:tr>
+              <a:tr h="370840">
+                <a:tc>
+                  <a:txBody>
+                    <a:bodyPr/>
+                    <a:lstStyle/>
+                    <a:p>
+                      <a:r>
+                        <a:rPr lang="it-IT"/>
+                        <a:t>Other</a:t>
+                      </a:r>
+                      <a:endParaRPr lang="en-GB"/>
+                    </a:p>
+                  </a:txBody>
+                  <a:tcPr/>
+                </a:tc>
+                <a:tc>
+                  <a:txBody>
+                    <a:bodyPr/>
+                    <a:lstStyle/>
+                    <a:p>
+                      <a:r>
+                        <a:rPr lang="it-IT"/>
+                        <a:t>0</a:t>
+                      </a:r>
+                      <a:endParaRPr lang="en-GB"/>
+                    </a:p>
+                  </a:txBody>
+                  <a:tcPr/>
+                </a:tc>
+                <a:tc>
+                  <a:txBody>
+                    <a:bodyPr/>
+                    <a:lstStyle/>
+                    <a:p>
+                      <a:r>
+                        <a:rPr lang="it-IT"/>
+                        <a:t>Null</a:t>
+                      </a:r>
+                      <a:endParaRPr lang="en-GB"/>
+                    </a:p>
+                  </a:txBody>
+                  <a:tcPr/>
+                </a:tc>
+                <a:extLst>
+                  <a:ext uri="{0D108BD9-81ED-4DB2-BD59-A6C34878D82A}">
+                    <a16:rowId xmlns:a16="http://schemas.microsoft.com/office/drawing/2014/main" val="407299635"/>
+                  </a:ext>
+                </a:extLst>
+              </a:tr>
+            </a:tbl>
+          </a:graphicData>
+        </a:graphic>
+      </p:graphicFrame>
+    </p:spTree>
+    <p:extLst>
+      <p:ext uri="{BB962C8B-B14F-4D97-AF65-F5344CB8AC3E}">
+        <p14:creationId xmlns:p14="http://schemas.microsoft.com/office/powerpoint/2010/main" val="1490887182"/>
+      </p:ext>
+    </p:extLst>
+  </p:cSld>
+  <p:clrMapOvr>
+    <a:masterClrMapping/>
+  </p:clrMapOvr>
+</p:sld>
+</file>
+
+<file path=ppt/slides/slide19.xml><?xml version="1.0" encoding="utf-8"?>
+<p:sld xmlns:a="http://schemas.openxmlformats.org/drawingml/2006/main" xmlns:r="http://schemas.openxmlformats.org/officeDocument/2006/relationships" xmlns:p="http://schemas.openxmlformats.org/presentationml/2006/main">
+  <p:cSld>
+    <p:spTree>
+      <p:nvGrpSpPr>
+        <p:cNvPr id="1" name=""/>
+        <p:cNvGrpSpPr/>
+        <p:nvPr/>
+      </p:nvGrpSpPr>
+      <p:grpSpPr>
+        <a:xfrm>
+          <a:off x="0" y="0"/>
+          <a:ext cx="0" cy="0"/>
+          <a:chOff x="0" y="0"/>
+          <a:chExt cx="0" cy="0"/>
+        </a:xfrm>
+      </p:grpSpPr>
+      <p:pic>
+        <p:nvPicPr>
+          <p:cNvPr id="9" name="Immagine 8" descr="Immagine che contiene testo, interni, elettronico, persona&#10;&#10;Descrizione generata automaticamente">
+            <a:extLst>
+              <a:ext uri="{FF2B5EF4-FFF2-40B4-BE49-F238E27FC236}">
+                <a16:creationId xmlns:a16="http://schemas.microsoft.com/office/drawing/2014/main" id="{0B3BE9D7-551F-49DB-9128-2562F3F05681}"/>
+              </a:ext>
+            </a:extLst>
+          </p:cNvPr>
+          <p:cNvPicPr>
+            <a:picLocks noChangeAspect="1"/>
+          </p:cNvPicPr>
+          <p:nvPr/>
+        </p:nvPicPr>
+        <p:blipFill>
+          <a:blip r:embed="rId3">
+            <a:extLst>
+              <a:ext uri="{28A0092B-C50C-407E-A947-70E740481C1C}">
+                <a14:useLocalDpi xmlns:a14="http://schemas.microsoft.com/office/drawing/2010/main" val="0"/>
+              </a:ext>
+            </a:extLst>
+          </a:blip>
+          <a:stretch>
+            <a:fillRect/>
+          </a:stretch>
+        </p:blipFill>
+        <p:spPr>
+          <a:xfrm>
+            <a:off x="654838" y="1100227"/>
+            <a:ext cx="5441161" cy="4657545"/>
+          </a:xfrm>
+          <a:prstGeom prst="rect">
+            <a:avLst/>
+          </a:prstGeom>
+        </p:spPr>
+      </p:pic>
+      <p:graphicFrame>
+        <p:nvGraphicFramePr>
+          <p:cNvPr id="3" name="Tabella 4">
+            <a:extLst>
+              <a:ext uri="{FF2B5EF4-FFF2-40B4-BE49-F238E27FC236}">
+                <a16:creationId xmlns:a16="http://schemas.microsoft.com/office/drawing/2014/main" id="{8ACE330C-EE84-4C0B-ADF8-C9A19BDB9ABA}"/>
+              </a:ext>
+            </a:extLst>
+          </p:cNvPr>
+          <p:cNvGraphicFramePr>
+            <a:graphicFrameLocks noGrp="1"/>
+          </p:cNvGraphicFramePr>
+          <p:nvPr/>
+        </p:nvGraphicFramePr>
+        <p:xfrm>
+          <a:off x="6594623" y="2687319"/>
+          <a:ext cx="4942539" cy="1483360"/>
+        </p:xfrm>
+        <a:graphic>
+          <a:graphicData uri="http://schemas.openxmlformats.org/drawingml/2006/table">
+            <a:tbl>
+              <a:tblPr firstRow="1" bandRow="1">
+                <a:tableStyleId>{5C22544A-7EE6-4342-B048-85BDC9FD1C3A}</a:tableStyleId>
+              </a:tblPr>
+              <a:tblGrid>
+                <a:gridCol w="1647513">
+                  <a:extLst>
+                    <a:ext uri="{9D8B030D-6E8A-4147-A177-3AD203B41FA5}">
+                      <a16:colId xmlns:a16="http://schemas.microsoft.com/office/drawing/2014/main" val="192552146"/>
+                    </a:ext>
+                  </a:extLst>
+                </a:gridCol>
+                <a:gridCol w="1647513">
+                  <a:extLst>
+                    <a:ext uri="{9D8B030D-6E8A-4147-A177-3AD203B41FA5}">
+                      <a16:colId xmlns:a16="http://schemas.microsoft.com/office/drawing/2014/main" val="319818087"/>
+                    </a:ext>
+                  </a:extLst>
+                </a:gridCol>
+                <a:gridCol w="1647513">
+                  <a:extLst>
+                    <a:ext uri="{9D8B030D-6E8A-4147-A177-3AD203B41FA5}">
+                      <a16:colId xmlns:a16="http://schemas.microsoft.com/office/drawing/2014/main" val="48408714"/>
+                    </a:ext>
+                  </a:extLst>
+                </a:gridCol>
+              </a:tblGrid>
+              <a:tr h="370840">
+                <a:tc>
+                  <a:txBody>
+                    <a:bodyPr/>
+                    <a:lstStyle/>
+                    <a:p>
+                      <a:r>
+                        <a:rPr lang="it-IT"/>
+                        <a:t>Rank of h</a:t>
+                      </a:r>
+                      <a:endParaRPr lang="en-GB"/>
+                    </a:p>
+                  </a:txBody>
+                  <a:tcPr/>
+                </a:tc>
+                <a:tc>
+                  <a:txBody>
+                    <a:bodyPr/>
+                    <a:lstStyle/>
+                    <a:p>
+                      <a:r>
+                        <a:rPr lang="it-IT"/>
+                        <a:t>Value of g(h)</a:t>
+                      </a:r>
+                      <a:endParaRPr lang="en-GB"/>
+                    </a:p>
+                  </a:txBody>
+                  <a:tcPr/>
+                </a:tc>
+                <a:tc>
+                  <a:txBody>
+                    <a:bodyPr/>
+                    <a:lstStyle/>
+                    <a:p>
+                      <a:r>
+                        <a:rPr lang="it-IT"/>
+                        <a:t>Sign of d</a:t>
+                      </a:r>
+                      <a:endParaRPr lang="en-GB"/>
+                    </a:p>
+                  </a:txBody>
+                  <a:tcPr/>
+                </a:tc>
+                <a:extLst>
+                  <a:ext uri="{0D108BD9-81ED-4DB2-BD59-A6C34878D82A}">
+                    <a16:rowId xmlns:a16="http://schemas.microsoft.com/office/drawing/2014/main" val="208199126"/>
+                  </a:ext>
+                </a:extLst>
+              </a:tr>
+              <a:tr h="370840">
+                <a:tc>
+                  <a:txBody>
+                    <a:bodyPr/>
+                    <a:lstStyle/>
+                    <a:p>
+                      <a:r>
+                        <a:rPr lang="it-IT"/>
+                        <a:t>First</a:t>
+                      </a:r>
+                      <a:endParaRPr lang="en-GB"/>
+                    </a:p>
+                  </a:txBody>
+                  <a:tcPr/>
+                </a:tc>
+                <a:tc>
+                  <a:txBody>
+                    <a:bodyPr/>
+                    <a:lstStyle/>
+                    <a:p>
+                      <a:r>
+                        <a:rPr lang="it-IT"/>
+                        <a:t>1</a:t>
+                      </a:r>
+                      <a:endParaRPr lang="en-GB"/>
+                    </a:p>
+                  </a:txBody>
+                  <a:tcPr/>
+                </a:tc>
+                <a:tc>
+                  <a:txBody>
+                    <a:bodyPr/>
+                    <a:lstStyle/>
+                    <a:p>
+                      <a:r>
+                        <a:rPr lang="it-IT"/>
+                        <a:t>Positive</a:t>
+                      </a:r>
+                      <a:endParaRPr lang="en-GB"/>
+                    </a:p>
+                  </a:txBody>
+                  <a:tcPr/>
+                </a:tc>
+                <a:extLst>
+                  <a:ext uri="{0D108BD9-81ED-4DB2-BD59-A6C34878D82A}">
+                    <a16:rowId xmlns:a16="http://schemas.microsoft.com/office/drawing/2014/main" val="3608702867"/>
+                  </a:ext>
+                </a:extLst>
+              </a:tr>
+              <a:tr h="370840">
+                <a:tc>
+                  <a:txBody>
+                    <a:bodyPr/>
+                    <a:lstStyle/>
+                    <a:p>
+                      <a:r>
+                        <a:rPr lang="it-IT"/>
+                        <a:t>Second</a:t>
+                      </a:r>
+                      <a:endParaRPr lang="en-GB"/>
+                    </a:p>
+                  </a:txBody>
+                  <a:tcPr/>
+                </a:tc>
+                <a:tc>
+                  <a:txBody>
+                    <a:bodyPr/>
+                    <a:lstStyle/>
+                    <a:p>
+                      <a:r>
+                        <a:rPr lang="it-IT" strike="sngStrike"/>
+                        <a:t>-0.4 </a:t>
+                      </a:r>
+                      <a:r>
+                        <a:rPr lang="it-IT" strike="noStrike"/>
+                        <a:t>  0</a:t>
+                      </a:r>
+                      <a:endParaRPr lang="en-GB" strike="noStrike"/>
+                    </a:p>
+                  </a:txBody>
+                  <a:tcPr/>
+                </a:tc>
+                <a:tc>
+                  <a:txBody>
+                    <a:bodyPr/>
+                    <a:lstStyle/>
+                    <a:p>
+                      <a:r>
+                        <a:rPr lang="it-IT" strike="sngStrike"/>
+                        <a:t>Negative </a:t>
+                      </a:r>
+                      <a:r>
+                        <a:rPr lang="it-IT" strike="noStrike"/>
+                        <a:t>Null</a:t>
+                      </a:r>
+                      <a:endParaRPr lang="en-GB" strike="noStrike"/>
+                    </a:p>
+                  </a:txBody>
+                  <a:tcPr/>
+                </a:tc>
+                <a:extLst>
+                  <a:ext uri="{0D108BD9-81ED-4DB2-BD59-A6C34878D82A}">
+                    <a16:rowId xmlns:a16="http://schemas.microsoft.com/office/drawing/2014/main" val="3732485149"/>
+                  </a:ext>
+                </a:extLst>
+              </a:tr>
+              <a:tr h="370840">
+                <a:tc>
+                  <a:txBody>
+                    <a:bodyPr/>
+                    <a:lstStyle/>
+                    <a:p>
+                      <a:r>
+                        <a:rPr lang="it-IT"/>
+                        <a:t>Other</a:t>
+                      </a:r>
+                      <a:endParaRPr lang="en-GB"/>
+                    </a:p>
+                  </a:txBody>
+                  <a:tcPr/>
+                </a:tc>
+                <a:tc>
+                  <a:txBody>
+                    <a:bodyPr/>
+                    <a:lstStyle/>
+                    <a:p>
+                      <a:r>
+                        <a:rPr lang="it-IT"/>
+                        <a:t>0</a:t>
+                      </a:r>
+                      <a:endParaRPr lang="en-GB"/>
+                    </a:p>
+                  </a:txBody>
+                  <a:tcPr/>
+                </a:tc>
+                <a:tc>
+                  <a:txBody>
+                    <a:bodyPr/>
+                    <a:lstStyle/>
+                    <a:p>
+                      <a:r>
+                        <a:rPr lang="it-IT"/>
+                        <a:t>Null</a:t>
+                      </a:r>
+                      <a:endParaRPr lang="en-GB"/>
+                    </a:p>
+                  </a:txBody>
+                  <a:tcPr/>
+                </a:tc>
+                <a:extLst>
+                  <a:ext uri="{0D108BD9-81ED-4DB2-BD59-A6C34878D82A}">
+                    <a16:rowId xmlns:a16="http://schemas.microsoft.com/office/drawing/2014/main" val="407299635"/>
+                  </a:ext>
+                </a:extLst>
+              </a:tr>
+            </a:tbl>
+          </a:graphicData>
+        </a:graphic>
+      </p:graphicFrame>
+      <p:pic>
+        <p:nvPicPr>
+          <p:cNvPr id="4" name="Immagine 3">
+            <a:extLst>
+              <a:ext uri="{FF2B5EF4-FFF2-40B4-BE49-F238E27FC236}">
+                <a16:creationId xmlns:a16="http://schemas.microsoft.com/office/drawing/2014/main" id="{39B4DE9E-1E48-4DC9-BCED-06E0B8BC2099}"/>
+              </a:ext>
+            </a:extLst>
+          </p:cNvPr>
+          <p:cNvPicPr>
+            <a:picLocks noChangeAspect="1"/>
+          </p:cNvPicPr>
+          <p:nvPr/>
+        </p:nvPicPr>
+        <p:blipFill>
+          <a:blip r:embed="rId4">
+            <a:extLst>
+              <a:ext uri="{28A0092B-C50C-407E-A947-70E740481C1C}">
+                <a14:useLocalDpi xmlns:a14="http://schemas.microsoft.com/office/drawing/2010/main" val="0"/>
+              </a:ext>
+            </a:extLst>
+          </a:blip>
+          <a:stretch>
+            <a:fillRect/>
+          </a:stretch>
+        </p:blipFill>
+        <p:spPr>
+          <a:xfrm>
+            <a:off x="0" y="1100227"/>
+            <a:ext cx="6431391" cy="5017679"/>
+          </a:xfrm>
+          <a:prstGeom prst="rect">
+            <a:avLst/>
+          </a:prstGeom>
+        </p:spPr>
+      </p:pic>
+    </p:spTree>
+    <p:extLst>
+      <p:ext uri="{BB962C8B-B14F-4D97-AF65-F5344CB8AC3E}">
+        <p14:creationId xmlns:p14="http://schemas.microsoft.com/office/powerpoint/2010/main" val="2535718803"/>
+      </p:ext>
+    </p:extLst>
+  </p:cSld>
+  <p:clrMapOvr>
+    <a:masterClrMapping/>
+  </p:clrMapOvr>
+</p:sld>
+</file>
+
+<file path=ppt/slides/slide2.xml><?xml version="1.0" encoding="utf-8"?>
+<p:sld xmlns:a="http://schemas.openxmlformats.org/drawingml/2006/main" xmlns:r="http://schemas.openxmlformats.org/officeDocument/2006/relationships" xmlns:p="http://schemas.openxmlformats.org/presentationml/2006/main">
+  <p:cSld>
+    <p:spTree>
+      <p:nvGrpSpPr>
+        <p:cNvPr id="1" name=""/>
+        <p:cNvGrpSpPr/>
+        <p:nvPr/>
+      </p:nvGrpSpPr>
+      <p:grpSpPr>
+        <a:xfrm>
+          <a:off x="0" y="0"/>
+          <a:ext cx="0" cy="0"/>
+          <a:chOff x="0" y="0"/>
+          <a:chExt cx="0" cy="0"/>
+        </a:xfrm>
+      </p:grpSpPr>
+      <p:sp>
+        <p:nvSpPr>
+          <p:cNvPr id="2" name="CasellaDiTesto 1">
+            <a:extLst>
+              <a:ext uri="{FF2B5EF4-FFF2-40B4-BE49-F238E27FC236}">
+                <a16:creationId xmlns:a16="http://schemas.microsoft.com/office/drawing/2014/main" id="{3902C405-2635-4980-A7BA-EA602E3DECDF}"/>
+              </a:ext>
+            </a:extLst>
+          </p:cNvPr>
+          <p:cNvSpPr txBox="1"/>
+          <p:nvPr/>
+        </p:nvSpPr>
+        <p:spPr>
+          <a:xfrm>
+            <a:off x="555812" y="752101"/>
+            <a:ext cx="5540188" cy="2308324"/>
+          </a:xfrm>
+          <a:prstGeom prst="rect">
+            <a:avLst/>
+          </a:prstGeom>
+          <a:noFill/>
+        </p:spPr>
+        <p:txBody>
+          <a:bodyPr wrap="square" rtlCol="0">
+            <a:spAutoFit/>
+          </a:bodyPr>
+          <a:lstStyle/>
+          <a:p>
+            <a:pPr marL="685800" indent="-685800">
+              <a:buFont typeface="Arial" panose="020B0604020202020204" pitchFamily="34" charset="0"/>
+              <a:buChar char="•"/>
+            </a:pPr>
+            <a:r>
+              <a:rPr lang="it-IT" sz="4800"/>
+              <a:t>Biological plausibility of neural networks</a:t>
+            </a:r>
+            <a:endParaRPr lang="en-GB" sz="4800"/>
+          </a:p>
+        </p:txBody>
+      </p:sp>
+      <p:pic>
+        <p:nvPicPr>
+          <p:cNvPr id="6" name="Immagine 5" descr="Immagine che contiene testo&#10;&#10;Descrizione generata automaticamente">
+            <a:extLst>
+              <a:ext uri="{FF2B5EF4-FFF2-40B4-BE49-F238E27FC236}">
+                <a16:creationId xmlns:a16="http://schemas.microsoft.com/office/drawing/2014/main" id="{05221DF6-4066-4EFE-87BD-0B415741606E}"/>
+              </a:ext>
+            </a:extLst>
+          </p:cNvPr>
+          <p:cNvPicPr>
+            <a:picLocks noChangeAspect="1"/>
+          </p:cNvPicPr>
+          <p:nvPr/>
+        </p:nvPicPr>
+        <p:blipFill>
+          <a:blip r:embed="rId3">
+            <a:extLst>
+              <a:ext uri="{28A0092B-C50C-407E-A947-70E740481C1C}">
+                <a14:useLocalDpi xmlns:a14="http://schemas.microsoft.com/office/drawing/2010/main" val="0"/>
+              </a:ext>
+            </a:extLst>
+          </a:blip>
+          <a:stretch>
+            <a:fillRect/>
+          </a:stretch>
+        </p:blipFill>
+        <p:spPr>
+          <a:xfrm>
+            <a:off x="7635130" y="752101"/>
+            <a:ext cx="4001058" cy="5353797"/>
+          </a:xfrm>
+          <a:prstGeom prst="rect">
+            <a:avLst/>
+          </a:prstGeom>
+        </p:spPr>
+      </p:pic>
+    </p:spTree>
+    <p:extLst>
+      <p:ext uri="{BB962C8B-B14F-4D97-AF65-F5344CB8AC3E}">
+        <p14:creationId xmlns:p14="http://schemas.microsoft.com/office/powerpoint/2010/main" val="2185130302"/>
+      </p:ext>
+    </p:extLst>
+  </p:cSld>
+  <p:clrMapOvr>
+    <a:masterClrMapping/>
+  </p:clrMapOvr>
+</p:sld>
+</file>
+
+<file path=ppt/slides/slide20.xml><?xml version="1.0" encoding="utf-8"?>
+<p:sld xmlns:a="http://schemas.openxmlformats.org/drawingml/2006/main" xmlns:r="http://schemas.openxmlformats.org/officeDocument/2006/relationships" xmlns:p="http://schemas.openxmlformats.org/presentationml/2006/main">
+  <p:cSld>
+    <p:spTree>
+      <p:nvGrpSpPr>
+        <p:cNvPr id="1" name=""/>
+        <p:cNvGrpSpPr/>
+        <p:nvPr/>
+      </p:nvGrpSpPr>
+      <p:grpSpPr>
+        <a:xfrm>
+          <a:off x="0" y="0"/>
+          <a:ext cx="0" cy="0"/>
+          <a:chOff x="0" y="0"/>
+          <a:chExt cx="0" cy="0"/>
+        </a:xfrm>
+      </p:grpSpPr>
+    </p:spTree>
+    <p:extLst>
+      <p:ext uri="{BB962C8B-B14F-4D97-AF65-F5344CB8AC3E}">
+        <p14:creationId xmlns:p14="http://schemas.microsoft.com/office/powerpoint/2010/main" val="2644441728"/>
+      </p:ext>
+    </p:extLst>
+  </p:cSld>
+  <p:clrMapOvr>
+    <a:masterClrMapping/>
+  </p:clrMapOvr>
+</p:sld>
+</file>
+
+<file path=ppt/slides/slide3.xml><?xml version="1.0" encoding="utf-8"?>
+<p:sld xmlns:a="http://schemas.openxmlformats.org/drawingml/2006/main" xmlns:r="http://schemas.openxmlformats.org/officeDocument/2006/relationships" xmlns:p="http://schemas.openxmlformats.org/presentationml/2006/main">
+  <p:cSld>
+    <p:spTree>
+      <p:nvGrpSpPr>
+        <p:cNvPr id="1" name=""/>
+        <p:cNvGrpSpPr/>
+        <p:nvPr/>
+      </p:nvGrpSpPr>
+      <p:grpSpPr>
+        <a:xfrm>
+          <a:off x="0" y="0"/>
+          <a:ext cx="0" cy="0"/>
+          <a:chOff x="0" y="0"/>
+          <a:chExt cx="0" cy="0"/>
+        </a:xfrm>
+      </p:grpSpPr>
+      <p:sp>
+        <p:nvSpPr>
+          <p:cNvPr id="2" name="CasellaDiTesto 1">
+            <a:extLst>
+              <a:ext uri="{FF2B5EF4-FFF2-40B4-BE49-F238E27FC236}">
+                <a16:creationId xmlns:a16="http://schemas.microsoft.com/office/drawing/2014/main" id="{3902C405-2635-4980-A7BA-EA602E3DECDF}"/>
+              </a:ext>
+            </a:extLst>
+          </p:cNvPr>
+          <p:cNvSpPr txBox="1"/>
+          <p:nvPr/>
+        </p:nvSpPr>
+        <p:spPr>
+          <a:xfrm>
+            <a:off x="555812" y="752101"/>
+            <a:ext cx="5540188" cy="6001643"/>
+          </a:xfrm>
+          <a:prstGeom prst="rect">
+            <a:avLst/>
+          </a:prstGeom>
+          <a:noFill/>
+        </p:spPr>
+        <p:txBody>
+          <a:bodyPr wrap="square" rtlCol="0">
+            <a:spAutoFit/>
+          </a:bodyPr>
+          <a:lstStyle/>
+          <a:p>
+            <a:pPr marL="685800" indent="-685800">
+              <a:buFont typeface="Arial" panose="020B0604020202020204" pitchFamily="34" charset="0"/>
+              <a:buChar char="•"/>
+            </a:pPr>
+            <a:r>
+              <a:rPr lang="it-IT" sz="4800"/>
+              <a:t>Biological plausibility of neural networks</a:t>
+            </a:r>
+            <a:endParaRPr lang="en-GB" sz="4800"/>
+          </a:p>
+          <a:p>
+            <a:pPr marL="685800" indent="-685800">
+              <a:buFont typeface="Arial" panose="020B0604020202020204" pitchFamily="34" charset="0"/>
+              <a:buChar char="•"/>
+            </a:pPr>
+            <a:r>
+              <a:rPr lang="en-GB" sz="4800"/>
+              <a:t>Two main implausibilities: Backpropagation and supervised learning</a:t>
+            </a:r>
+            <a:endParaRPr lang="it-IT" sz="4800"/>
+          </a:p>
+        </p:txBody>
+      </p:sp>
+      <p:pic>
+        <p:nvPicPr>
+          <p:cNvPr id="6" name="Immagine 5" descr="Immagine che contiene testo&#10;&#10;Descrizione generata automaticamente">
+            <a:extLst>
+              <a:ext uri="{FF2B5EF4-FFF2-40B4-BE49-F238E27FC236}">
+                <a16:creationId xmlns:a16="http://schemas.microsoft.com/office/drawing/2014/main" id="{05221DF6-4066-4EFE-87BD-0B415741606E}"/>
+              </a:ext>
+            </a:extLst>
+          </p:cNvPr>
+          <p:cNvPicPr>
+            <a:picLocks noChangeAspect="1"/>
+          </p:cNvPicPr>
+          <p:nvPr/>
+        </p:nvPicPr>
+        <p:blipFill>
+          <a:blip r:embed="rId3">
+            <a:extLst>
+              <a:ext uri="{28A0092B-C50C-407E-A947-70E740481C1C}">
+                <a14:useLocalDpi xmlns:a14="http://schemas.microsoft.com/office/drawing/2010/main" val="0"/>
+              </a:ext>
+            </a:extLst>
+          </a:blip>
+          <a:stretch>
+            <a:fillRect/>
+          </a:stretch>
+        </p:blipFill>
+        <p:spPr>
+          <a:xfrm>
+            <a:off x="7635130" y="752101"/>
+            <a:ext cx="4001058" cy="5353797"/>
+          </a:xfrm>
+          <a:prstGeom prst="rect">
+            <a:avLst/>
+          </a:prstGeom>
+        </p:spPr>
+      </p:pic>
+    </p:spTree>
+    <p:extLst>
+      <p:ext uri="{BB962C8B-B14F-4D97-AF65-F5344CB8AC3E}">
+        <p14:creationId xmlns:p14="http://schemas.microsoft.com/office/powerpoint/2010/main" val="3677614618"/>
+      </p:ext>
+    </p:extLst>
+  </p:cSld>
+  <p:clrMapOvr>
+    <a:masterClrMapping/>
+  </p:clrMapOvr>
+</p:sld>
+</file>
+
+<file path=ppt/slides/slide4.xml><?xml version="1.0" encoding="utf-8"?>
+<p:sld xmlns:a="http://schemas.openxmlformats.org/drawingml/2006/main" xmlns:r="http://schemas.openxmlformats.org/officeDocument/2006/relationships" xmlns:p="http://schemas.openxmlformats.org/presentationml/2006/main">
+  <p:cSld>
+    <p:spTree>
+      <p:nvGrpSpPr>
+        <p:cNvPr id="1" name=""/>
+        <p:cNvGrpSpPr/>
+        <p:nvPr/>
+      </p:nvGrpSpPr>
+      <p:grpSpPr>
+        <a:xfrm>
+          <a:off x="0" y="0"/>
+          <a:ext cx="0" cy="0"/>
+          <a:chOff x="0" y="0"/>
+          <a:chExt cx="0" cy="0"/>
+        </a:xfrm>
+      </p:grpSpPr>
+      <p:sp>
+        <p:nvSpPr>
+          <p:cNvPr id="2" name="CasellaDiTesto 1">
+            <a:extLst>
+              <a:ext uri="{FF2B5EF4-FFF2-40B4-BE49-F238E27FC236}">
+                <a16:creationId xmlns:a16="http://schemas.microsoft.com/office/drawing/2014/main" id="{3902C405-2635-4980-A7BA-EA602E3DECDF}"/>
+              </a:ext>
+            </a:extLst>
+          </p:cNvPr>
+          <p:cNvSpPr txBox="1"/>
+          <p:nvPr/>
+        </p:nvSpPr>
+        <p:spPr>
+          <a:xfrm>
+            <a:off x="555812" y="2644169"/>
+            <a:ext cx="5540188" cy="1569660"/>
+          </a:xfrm>
+          <a:prstGeom prst="rect">
+            <a:avLst/>
+          </a:prstGeom>
+          <a:noFill/>
+        </p:spPr>
+        <p:txBody>
+          <a:bodyPr wrap="square" rtlCol="0">
+            <a:spAutoFit/>
+          </a:bodyPr>
+          <a:lstStyle/>
+          <a:p>
+            <a:r>
+              <a:rPr lang="it-IT" sz="4800"/>
+              <a:t>Implausibility 1: backpropagation</a:t>
+            </a:r>
+          </a:p>
+        </p:txBody>
+      </p:sp>
+      <p:pic>
+        <p:nvPicPr>
+          <p:cNvPr id="4" name="Immagine 3" descr="Immagine che contiene cosmetico&#10;&#10;Descrizione generata automaticamente">
+            <a:extLst>
+              <a:ext uri="{FF2B5EF4-FFF2-40B4-BE49-F238E27FC236}">
+                <a16:creationId xmlns:a16="http://schemas.microsoft.com/office/drawing/2014/main" id="{3F0FFB2A-23CB-4526-86DE-11644B6F3041}"/>
+              </a:ext>
+            </a:extLst>
+          </p:cNvPr>
+          <p:cNvPicPr>
+            <a:picLocks noChangeAspect="1"/>
+          </p:cNvPicPr>
+          <p:nvPr/>
+        </p:nvPicPr>
+        <p:blipFill rotWithShape="1">
+          <a:blip r:embed="rId3">
+            <a:extLst>
+              <a:ext uri="{28A0092B-C50C-407E-A947-70E740481C1C}">
+                <a14:useLocalDpi xmlns:a14="http://schemas.microsoft.com/office/drawing/2010/main" val="0"/>
+              </a:ext>
+            </a:extLst>
+          </a:blip>
+          <a:srcRect l="25311" r="18511" b="16114"/>
+          <a:stretch/>
+        </p:blipFill>
+        <p:spPr>
+          <a:xfrm>
+            <a:off x="6741460" y="1373401"/>
+            <a:ext cx="4894728" cy="4111197"/>
+          </a:xfrm>
+          <a:prstGeom prst="rect">
+            <a:avLst/>
+          </a:prstGeom>
+        </p:spPr>
+      </p:pic>
+    </p:spTree>
+    <p:extLst>
+      <p:ext uri="{BB962C8B-B14F-4D97-AF65-F5344CB8AC3E}">
+        <p14:creationId xmlns:p14="http://schemas.microsoft.com/office/powerpoint/2010/main" val="3776843104"/>
+      </p:ext>
+    </p:extLst>
+  </p:cSld>
+  <p:clrMapOvr>
+    <a:masterClrMapping/>
+  </p:clrMapOvr>
+</p:sld>
+</file>
+
+<file path=ppt/slides/slide5.xml><?xml version="1.0" encoding="utf-8"?>
+<p:sld xmlns:a="http://schemas.openxmlformats.org/drawingml/2006/main" xmlns:r="http://schemas.openxmlformats.org/officeDocument/2006/relationships" xmlns:p="http://schemas.openxmlformats.org/presentationml/2006/main">
+  <p:cSld>
+    <p:spTree>
+      <p:nvGrpSpPr>
+        <p:cNvPr id="1" name=""/>
+        <p:cNvGrpSpPr/>
+        <p:nvPr/>
+      </p:nvGrpSpPr>
+      <p:grpSpPr>
+        <a:xfrm>
+          <a:off x="0" y="0"/>
+          <a:ext cx="0" cy="0"/>
+          <a:chOff x="0" y="0"/>
+          <a:chExt cx="0" cy="0"/>
+        </a:xfrm>
+      </p:grpSpPr>
+      <p:sp>
+        <p:nvSpPr>
+          <p:cNvPr id="2" name="CasellaDiTesto 1">
+            <a:extLst>
+              <a:ext uri="{FF2B5EF4-FFF2-40B4-BE49-F238E27FC236}">
+                <a16:creationId xmlns:a16="http://schemas.microsoft.com/office/drawing/2014/main" id="{3902C405-2635-4980-A7BA-EA602E3DECDF}"/>
+              </a:ext>
+            </a:extLst>
+          </p:cNvPr>
+          <p:cNvSpPr txBox="1"/>
+          <p:nvPr/>
+        </p:nvSpPr>
+        <p:spPr>
+          <a:xfrm>
+            <a:off x="1447800" y="3013501"/>
+            <a:ext cx="9296400" cy="830997"/>
+          </a:xfrm>
+          <a:prstGeom prst="rect">
+            <a:avLst/>
+          </a:prstGeom>
+          <a:noFill/>
+        </p:spPr>
+        <p:txBody>
+          <a:bodyPr wrap="square" rtlCol="0">
+            <a:spAutoFit/>
+          </a:bodyPr>
+          <a:lstStyle/>
+          <a:p>
+            <a:r>
+              <a:rPr lang="it-IT" sz="4800"/>
+              <a:t>Implausibility 2: supervised learning</a:t>
+            </a:r>
+          </a:p>
+        </p:txBody>
+      </p:sp>
+    </p:spTree>
+    <p:extLst>
+      <p:ext uri="{BB962C8B-B14F-4D97-AF65-F5344CB8AC3E}">
+        <p14:creationId xmlns:p14="http://schemas.microsoft.com/office/powerpoint/2010/main" val="165926690"/>
+      </p:ext>
+    </p:extLst>
+  </p:cSld>
+  <p:clrMapOvr>
+    <a:masterClrMapping/>
+  </p:clrMapOvr>
+</p:sld>
+</file>
+
+<file path=ppt/slides/slide6.xml><?xml version="1.0" encoding="utf-8"?>
+<p:sld xmlns:a="http://schemas.openxmlformats.org/drawingml/2006/main" xmlns:r="http://schemas.openxmlformats.org/officeDocument/2006/relationships" xmlns:p="http://schemas.openxmlformats.org/presentationml/2006/main">
+  <p:cSld>
+    <p:spTree>
+      <p:nvGrpSpPr>
+        <p:cNvPr id="1" name=""/>
+        <p:cNvGrpSpPr/>
+        <p:nvPr/>
+      </p:nvGrpSpPr>
+      <p:grpSpPr>
+        <a:xfrm>
+          <a:off x="0" y="0"/>
+          <a:ext cx="0" cy="0"/>
+          <a:chOff x="0" y="0"/>
+          <a:chExt cx="0" cy="0"/>
+        </a:xfrm>
+      </p:grpSpPr>
+      <p:pic>
+        <p:nvPicPr>
+          <p:cNvPr id="2" name="Immagine 1" descr="Immagine che contiene testo&#10;&#10;Descrizione generata automaticamente">
+            <a:extLst>
+              <a:ext uri="{FF2B5EF4-FFF2-40B4-BE49-F238E27FC236}">
+                <a16:creationId xmlns:a16="http://schemas.microsoft.com/office/drawing/2014/main" id="{F265ECEB-F7BC-4819-97BB-0DB138EDF54A}"/>
+              </a:ext>
+            </a:extLst>
+          </p:cNvPr>
+          <p:cNvPicPr>
+            <a:picLocks noChangeAspect="1"/>
+          </p:cNvPicPr>
+          <p:nvPr/>
+        </p:nvPicPr>
+        <p:blipFill>
+          <a:blip r:embed="rId3">
+            <a:extLst>
+              <a:ext uri="{28A0092B-C50C-407E-A947-70E740481C1C}">
+                <a14:useLocalDpi xmlns:a14="http://schemas.microsoft.com/office/drawing/2010/main" val="0"/>
+              </a:ext>
+            </a:extLst>
+          </a:blip>
+          <a:stretch>
+            <a:fillRect/>
+          </a:stretch>
+        </p:blipFill>
+        <p:spPr>
+          <a:xfrm>
+            <a:off x="7635130" y="752101"/>
+            <a:ext cx="4001058" cy="5353797"/>
+          </a:xfrm>
+          <a:prstGeom prst="rect">
+            <a:avLst/>
+          </a:prstGeom>
+        </p:spPr>
+      </p:pic>
+      <p:sp>
+        <p:nvSpPr>
+          <p:cNvPr id="3" name="CasellaDiTesto 2">
+            <a:extLst>
+              <a:ext uri="{FF2B5EF4-FFF2-40B4-BE49-F238E27FC236}">
+                <a16:creationId xmlns:a16="http://schemas.microsoft.com/office/drawing/2014/main" id="{90407C5F-F44C-4D3C-B2DB-2B94898E06F9}"/>
+              </a:ext>
+            </a:extLst>
+          </p:cNvPr>
+          <p:cNvSpPr txBox="1"/>
+          <p:nvPr/>
+        </p:nvSpPr>
+        <p:spPr>
+          <a:xfrm>
+            <a:off x="555811" y="1536173"/>
+            <a:ext cx="6113929" cy="3046988"/>
+          </a:xfrm>
+          <a:prstGeom prst="rect">
+            <a:avLst/>
+          </a:prstGeom>
+          <a:noFill/>
+        </p:spPr>
+        <p:txBody>
+          <a:bodyPr wrap="square" rtlCol="0">
+            <a:spAutoFit/>
+          </a:bodyPr>
+          <a:lstStyle/>
+          <a:p>
+            <a:pPr marL="685800" indent="-685800">
+              <a:buFont typeface="Arial" panose="020B0604020202020204" pitchFamily="34" charset="0"/>
+              <a:buChar char="•"/>
+            </a:pPr>
+            <a:r>
+              <a:rPr lang="it-IT" sz="4800"/>
+              <a:t>No backpropagation</a:t>
+            </a:r>
+          </a:p>
+          <a:p>
+            <a:pPr marL="685800" indent="-685800">
+              <a:buFont typeface="Arial" panose="020B0604020202020204" pitchFamily="34" charset="0"/>
+              <a:buChar char="•"/>
+            </a:pPr>
+            <a:r>
+              <a:rPr lang="it-IT" sz="4800"/>
+              <a:t>Unsupervised learning</a:t>
+            </a:r>
+          </a:p>
+          <a:p>
+            <a:pPr marL="685800" indent="-685800">
+              <a:buFont typeface="Arial" panose="020B0604020202020204" pitchFamily="34" charset="0"/>
+              <a:buChar char="•"/>
+            </a:pPr>
+            <a:r>
+              <a:rPr lang="it-IT" sz="4800"/>
+              <a:t>Good performance</a:t>
+            </a:r>
+          </a:p>
+        </p:txBody>
+      </p:sp>
+    </p:spTree>
+    <p:extLst>
+      <p:ext uri="{BB962C8B-B14F-4D97-AF65-F5344CB8AC3E}">
+        <p14:creationId xmlns:p14="http://schemas.microsoft.com/office/powerpoint/2010/main" val="2290543620"/>
+      </p:ext>
+    </p:extLst>
+  </p:cSld>
+  <p:clrMapOvr>
+    <a:masterClrMapping/>
+  </p:clrMapOvr>
+</p:sld>
+</file>
+
+<file path=ppt/slides/slide7.xml><?xml version="1.0" encoding="utf-8"?>
+<p:sld xmlns:a="http://schemas.openxmlformats.org/drawingml/2006/main" xmlns:r="http://schemas.openxmlformats.org/officeDocument/2006/relationships" xmlns:p="http://schemas.openxmlformats.org/presentationml/2006/main">
+  <p:cSld>
+    <p:bg>
+      <p:bgPr>
+        <a:solidFill>
+          <a:schemeClr val="bg1"/>
+        </a:solidFill>
+        <a:effectLst/>
+      </p:bgPr>
+    </p:bg>
+    <p:spTree>
+      <p:nvGrpSpPr>
+        <p:cNvPr id="1" name=""/>
+        <p:cNvGrpSpPr/>
+        <p:nvPr/>
+      </p:nvGrpSpPr>
+      <p:grpSpPr>
+        <a:xfrm>
+          <a:off x="0" y="0"/>
+          <a:ext cx="0" cy="0"/>
+          <a:chOff x="0" y="0"/>
+          <a:chExt cx="0" cy="0"/>
+        </a:xfrm>
+      </p:grpSpPr>
+      <p:pic>
+        <p:nvPicPr>
+          <p:cNvPr id="5" name="Immagine 4">
+            <a:extLst>
+              <a:ext uri="{FF2B5EF4-FFF2-40B4-BE49-F238E27FC236}">
+                <a16:creationId xmlns:a16="http://schemas.microsoft.com/office/drawing/2014/main" id="{D994ADEB-D50A-4925-A79A-F02094F7B2BD}"/>
+              </a:ext>
+            </a:extLst>
+          </p:cNvPr>
+          <p:cNvPicPr>
+            <a:picLocks noChangeAspect="1"/>
+          </p:cNvPicPr>
+          <p:nvPr/>
+        </p:nvPicPr>
+        <p:blipFill>
+          <a:blip r:embed="rId3">
+            <a:extLst>
+              <a:ext uri="{28A0092B-C50C-407E-A947-70E740481C1C}">
+                <a14:useLocalDpi xmlns:a14="http://schemas.microsoft.com/office/drawing/2010/main" val="0"/>
+              </a:ext>
+            </a:extLst>
+          </a:blip>
+          <a:stretch>
+            <a:fillRect/>
+          </a:stretch>
+        </p:blipFill>
+        <p:spPr>
+          <a:xfrm>
+            <a:off x="0" y="194094"/>
+            <a:ext cx="12192000" cy="6469811"/>
+          </a:xfrm>
+          <a:prstGeom prst="rect">
+            <a:avLst/>
+          </a:prstGeom>
+        </p:spPr>
+      </p:pic>
+    </p:spTree>
+    <p:extLst>
+      <p:ext uri="{BB962C8B-B14F-4D97-AF65-F5344CB8AC3E}">
+        <p14:creationId xmlns:p14="http://schemas.microsoft.com/office/powerpoint/2010/main" val="239872891"/>
+      </p:ext>
+    </p:extLst>
+  </p:cSld>
+  <p:clrMapOvr>
+    <a:masterClrMapping/>
+  </p:clrMapOvr>
+</p:sld>
+</file>
+
+<file path=ppt/slides/slide8.xml><?xml version="1.0" encoding="utf-8"?>
+<p:sld xmlns:a="http://schemas.openxmlformats.org/drawingml/2006/main" xmlns:r="http://schemas.openxmlformats.org/officeDocument/2006/relationships" xmlns:p="http://schemas.openxmlformats.org/presentationml/2006/main">
+  <p:cSld>
+    <p:bg>
+      <p:bgPr>
+        <a:solidFill>
+          <a:schemeClr val="bg1"/>
+        </a:solidFill>
+        <a:effectLst/>
+      </p:bgPr>
+    </p:bg>
+    <p:spTree>
+      <p:nvGrpSpPr>
+        <p:cNvPr id="1" name=""/>
+        <p:cNvGrpSpPr/>
+        <p:nvPr/>
+      </p:nvGrpSpPr>
+      <p:grpSpPr>
+        <a:xfrm>
+          <a:off x="0" y="0"/>
+          <a:ext cx="0" cy="0"/>
+          <a:chOff x="0" y="0"/>
+          <a:chExt cx="0" cy="0"/>
+        </a:xfrm>
+      </p:grpSpPr>
+      <p:pic>
+        <p:nvPicPr>
+          <p:cNvPr id="6" name="Immagine 5">
+            <a:extLst>
+              <a:ext uri="{FF2B5EF4-FFF2-40B4-BE49-F238E27FC236}">
+                <a16:creationId xmlns:a16="http://schemas.microsoft.com/office/drawing/2014/main" id="{99725D4A-E3BD-4316-B5A2-F856DF4D012C}"/>
+              </a:ext>
+            </a:extLst>
+          </p:cNvPr>
+          <p:cNvPicPr>
+            <a:picLocks noChangeAspect="1"/>
+          </p:cNvPicPr>
+          <p:nvPr/>
+        </p:nvPicPr>
+        <p:blipFill>
+          <a:blip r:embed="rId3">
+            <a:extLst>
+              <a:ext uri="{28A0092B-C50C-407E-A947-70E740481C1C}">
+                <a14:useLocalDpi xmlns:a14="http://schemas.microsoft.com/office/drawing/2010/main" val="0"/>
+              </a:ext>
+            </a:extLst>
+          </a:blip>
+          <a:stretch>
+            <a:fillRect/>
+          </a:stretch>
+        </p:blipFill>
+        <p:spPr>
+          <a:xfrm>
+            <a:off x="0" y="194094"/>
+            <a:ext cx="12192000" cy="6469811"/>
+          </a:xfrm>
+          <a:prstGeom prst="rect">
+            <a:avLst/>
+          </a:prstGeom>
+        </p:spPr>
+      </p:pic>
+    </p:spTree>
+    <p:extLst>
+      <p:ext uri="{BB962C8B-B14F-4D97-AF65-F5344CB8AC3E}">
+        <p14:creationId xmlns:p14="http://schemas.microsoft.com/office/powerpoint/2010/main" val="221018924"/>
+      </p:ext>
+    </p:extLst>
+  </p:cSld>
+  <p:clrMapOvr>
+    <a:masterClrMapping/>
+  </p:clrMapOvr>
+</p:sld>
+</file>
+
+<file path=ppt/slides/slide9.xml><?xml version="1.0" encoding="utf-8"?>
+<p:sld xmlns:a="http://schemas.openxmlformats.org/drawingml/2006/main" xmlns:r="http://schemas.openxmlformats.org/officeDocument/2006/relationships" xmlns:p="http://schemas.openxmlformats.org/presentationml/2006/main">
+  <p:cSld>
+    <p:spTree>
+      <p:nvGrpSpPr>
+        <p:cNvPr id="1" name=""/>
+        <p:cNvGrpSpPr/>
+        <p:nvPr/>
+      </p:nvGrpSpPr>
+      <p:grpSpPr>
+        <a:xfrm>
+          <a:off x="0" y="0"/>
+          <a:ext cx="0" cy="0"/>
+          <a:chOff x="0" y="0"/>
+          <a:chExt cx="0" cy="0"/>
+        </a:xfrm>
+      </p:grpSpPr>
+      <mc:AlternateContent xmlns:mc="http://schemas.openxmlformats.org/markup-compatibility/2006" xmlns:a14="http://schemas.microsoft.com/office/drawing/2010/main">
+        <mc:Choice Requires="a14">
+          <p:sp>
+            <p:nvSpPr>
+              <p:cNvPr id="4" name="CasellaDiTesto 3">
+                <a:extLst>
+                  <a:ext uri="{FF2B5EF4-FFF2-40B4-BE49-F238E27FC236}">
+                    <a16:creationId xmlns:a16="http://schemas.microsoft.com/office/drawing/2014/main" id="{E4753EDB-B05E-451C-8D04-EE4623FB0577}"/>
+                  </a:ext>
+                </a:extLst>
+              </p:cNvPr>
+              <p:cNvSpPr txBox="1"/>
+              <p:nvPr/>
+            </p:nvSpPr>
+            <p:spPr>
+              <a:xfrm>
+                <a:off x="-484095" y="1403565"/>
+                <a:ext cx="6580094" cy="897875"/>
+              </a:xfrm>
+              <a:prstGeom prst="rect">
+                <a:avLst/>
+              </a:prstGeom>
+              <a:noFill/>
+            </p:spPr>
+            <p:txBody>
+              <a:bodyPr wrap="square" lIns="0" tIns="0" rIns="0" bIns="0" rtlCol="0">
+                <a:spAutoFit/>
+              </a:bodyPr>
+              <a:lstStyle/>
+              <a:p>
+                <a:pPr/>
+                <a14:m>
+                  <m:oMathPara xmlns:m="http://schemas.openxmlformats.org/officeDocument/2006/math">
+                    <m:oMathParaPr>
+                      <m:jc m:val="centerGroup"/>
+                    </m:oMathParaPr>
+                    <m:oMath xmlns:m="http://schemas.openxmlformats.org/officeDocument/2006/math">
+                      <m:r>
+                        <a:rPr lang="it-IT" sz="5400" b="0" i="1" smtClean="0">
+                          <a:latin typeface="Cambria Math" panose="02040503050406030204" pitchFamily="18" charset="0"/>
+                        </a:rPr>
+                        <m:t>𝑑</m:t>
+                      </m:r>
+                      <m:sSub>
+                        <m:sSubPr>
+                          <m:ctrlPr>
+                            <a:rPr lang="it-IT" sz="5400" b="0" i="1" smtClean="0">
+                              <a:latin typeface="Cambria Math" panose="02040503050406030204" pitchFamily="18" charset="0"/>
+                              <a:ea typeface="Cambria Math" panose="02040503050406030204" pitchFamily="18" charset="0"/>
+                            </a:rPr>
+                          </m:ctrlPr>
+                        </m:sSubPr>
+                        <m:e>
+                          <m:r>
+                            <a:rPr lang="it-IT" sz="5400" b="0" i="1" smtClean="0">
+                              <a:latin typeface="Cambria Math" panose="02040503050406030204" pitchFamily="18" charset="0"/>
+                              <a:ea typeface="Cambria Math" panose="02040503050406030204" pitchFamily="18" charset="0"/>
+                            </a:rPr>
+                            <m:t>𝑤</m:t>
+                          </m:r>
+                        </m:e>
+                        <m:sub>
+                          <m:r>
+                            <a:rPr lang="it-IT" sz="5400" b="0" i="1" smtClean="0">
+                              <a:latin typeface="Cambria Math" panose="02040503050406030204" pitchFamily="18" charset="0"/>
+                              <a:ea typeface="Cambria Math" panose="02040503050406030204" pitchFamily="18" charset="0"/>
+                            </a:rPr>
+                            <m:t>𝑖𝑗</m:t>
+                          </m:r>
+                        </m:sub>
+                      </m:sSub>
+                      <m:r>
+                        <a:rPr lang="it-IT" sz="5400" b="0" i="1" smtClean="0">
+                          <a:latin typeface="Cambria Math" panose="02040503050406030204" pitchFamily="18" charset="0"/>
+                          <a:ea typeface="Cambria Math" panose="02040503050406030204" pitchFamily="18" charset="0"/>
+                        </a:rPr>
+                        <m:t>=</m:t>
+                      </m:r>
+                      <m:r>
+                        <a:rPr lang="it-IT" sz="5400" b="0" i="1" smtClean="0">
+                          <a:latin typeface="Cambria Math" panose="02040503050406030204" pitchFamily="18" charset="0"/>
+                          <a:ea typeface="Cambria Math" panose="02040503050406030204" pitchFamily="18" charset="0"/>
+                        </a:rPr>
+                        <m:t>𝑔</m:t>
+                      </m:r>
+                      <m:r>
+                        <a:rPr lang="it-IT" sz="5400" b="0" i="1" smtClean="0">
+                          <a:latin typeface="Cambria Math" panose="02040503050406030204" pitchFamily="18" charset="0"/>
+                          <a:ea typeface="Cambria Math" panose="02040503050406030204" pitchFamily="18" charset="0"/>
+                        </a:rPr>
+                        <m:t>(</m:t>
+                      </m:r>
+                      <m:sSub>
+                        <m:sSubPr>
+                          <m:ctrlPr>
+                            <a:rPr lang="it-IT" sz="5400" b="0" i="1" smtClean="0">
+                              <a:latin typeface="Cambria Math" panose="02040503050406030204" pitchFamily="18" charset="0"/>
+                              <a:ea typeface="Cambria Math" panose="02040503050406030204" pitchFamily="18" charset="0"/>
+                            </a:rPr>
+                          </m:ctrlPr>
+                        </m:sSubPr>
+                        <m:e>
+                          <m:r>
+                            <a:rPr lang="it-IT" sz="5400" b="0" i="1" smtClean="0">
+                              <a:latin typeface="Cambria Math" panose="02040503050406030204" pitchFamily="18" charset="0"/>
+                              <a:ea typeface="Cambria Math" panose="02040503050406030204" pitchFamily="18" charset="0"/>
+                            </a:rPr>
+                            <m:t>h</m:t>
+                          </m:r>
+                        </m:e>
+                        <m:sub>
+                          <m:r>
+                            <a:rPr lang="it-IT" sz="5400" b="0" i="1" smtClean="0">
+                              <a:latin typeface="Cambria Math" panose="02040503050406030204" pitchFamily="18" charset="0"/>
+                              <a:ea typeface="Cambria Math" panose="02040503050406030204" pitchFamily="18" charset="0"/>
+                            </a:rPr>
+                            <m:t>𝑖</m:t>
+                          </m:r>
+                        </m:sub>
+                      </m:sSub>
+                      <m:r>
+                        <a:rPr lang="it-IT" sz="5400" b="0" i="1" smtClean="0">
+                          <a:latin typeface="Cambria Math" panose="02040503050406030204" pitchFamily="18" charset="0"/>
+                          <a:ea typeface="Cambria Math" panose="02040503050406030204" pitchFamily="18" charset="0"/>
+                        </a:rPr>
+                        <m:t>)</m:t>
+                      </m:r>
+                      <m:sSub>
+                        <m:sSubPr>
+                          <m:ctrlPr>
+                            <a:rPr lang="it-IT" sz="5400" b="0" i="1" smtClean="0">
+                              <a:latin typeface="Cambria Math" panose="02040503050406030204" pitchFamily="18" charset="0"/>
+                              <a:ea typeface="Cambria Math" panose="02040503050406030204" pitchFamily="18" charset="0"/>
+                            </a:rPr>
+                          </m:ctrlPr>
+                        </m:sSubPr>
+                        <m:e>
+                          <m:r>
+                            <a:rPr lang="it-IT" sz="5400" b="0" i="1" smtClean="0">
+                              <a:latin typeface="Cambria Math" panose="02040503050406030204" pitchFamily="18" charset="0"/>
+                              <a:ea typeface="Cambria Math" panose="02040503050406030204" pitchFamily="18" charset="0"/>
+                            </a:rPr>
+                            <m:t>𝑣</m:t>
+                          </m:r>
+                        </m:e>
+                        <m:sub>
+                          <m:r>
+                            <a:rPr lang="it-IT" sz="5400" b="0" i="1" smtClean="0">
+                              <a:latin typeface="Cambria Math" panose="02040503050406030204" pitchFamily="18" charset="0"/>
+                              <a:ea typeface="Cambria Math" panose="02040503050406030204" pitchFamily="18" charset="0"/>
+                            </a:rPr>
+                            <m:t>𝑗</m:t>
+                          </m:r>
+                        </m:sub>
+                      </m:sSub>
+                    </m:oMath>
+                  </m:oMathPara>
+                </a14:m>
+                <a:endParaRPr lang="en-GB" sz="5400"/>
+              </a:p>
+            </p:txBody>
+          </p:sp>
+        </mc:Choice>
+        <mc:Fallback xmlns="">
           <p:sp>
             <p:nvSpPr>
               <p:cNvPr id="4" name="CasellaDiTesto 3">
